--- a/Presentation/Presentation 18.pptx
+++ b/Presentation/Presentation 18.pptx
@@ -7,15 +7,18 @@
     <p:sldMasterId id="2147483674" r:id="rId3"/>
   </p:sldMasterIdLst>
   <p:notesMasterIdLst>
-    <p:notesMasterId r:id="rId10"/>
+    <p:notesMasterId r:id="rId13"/>
   </p:notesMasterIdLst>
   <p:sldIdLst>
     <p:sldId id="256" r:id="rId4"/>
     <p:sldId id="257" r:id="rId5"/>
     <p:sldId id="258" r:id="rId6"/>
-    <p:sldId id="265" r:id="rId7"/>
-    <p:sldId id="269" r:id="rId8"/>
-    <p:sldId id="264" r:id="rId9"/>
+    <p:sldId id="270" r:id="rId7"/>
+    <p:sldId id="265" r:id="rId8"/>
+    <p:sldId id="273" r:id="rId9"/>
+    <p:sldId id="274" r:id="rId10"/>
+    <p:sldId id="272" r:id="rId11"/>
+    <p:sldId id="264" r:id="rId12"/>
   </p:sldIdLst>
   <p:sldSz cx="10080625" cy="7559675"/>
   <p:notesSz cx="7559675" cy="10691813"/>
@@ -137,12 +140,761 @@
 <file path=ppt/revisionInfo.xml><?xml version="1.0" encoding="utf-8"?>
 <p1510:revInfo xmlns:a="http://schemas.openxmlformats.org/drawingml/2006/main" xmlns:r="http://schemas.openxmlformats.org/officeDocument/2006/relationships" xmlns:p1510="http://schemas.microsoft.com/office/powerpoint/2015/10/main">
   <p1510:revLst>
+    <p1510:client id="{0B64FC8A-2D89-414C-A8D1-54CFC07097A8}" v="540" dt="2022-06-05T19:56:50.828"/>
+    <p1510:client id="{5B08FF42-7F60-47FE-9049-029E595C03E7}" v="866" dt="2022-06-05T19:36:58.257"/>
     <p1510:client id="{F28014B9-76E9-4011-9F12-D1E151D26280}" v="604" dt="2022-06-02T20:02:09.751"/>
   </p1510:revLst>
 </p1510:revInfo>
 </file>
 
 <file path=ppt/diagrams/colors1.xml><?xml version="1.0" encoding="utf-8"?>
+<dgm:colorsDef xmlns:dgm="http://schemas.openxmlformats.org/drawingml/2006/diagram" xmlns:a="http://schemas.openxmlformats.org/drawingml/2006/main" uniqueId="urn:microsoft.com/office/officeart/2005/8/colors/accent5_2">
+  <dgm:title val=""/>
+  <dgm:desc val=""/>
+  <dgm:catLst>
+    <dgm:cat type="accent5" pri="11200"/>
+  </dgm:catLst>
+  <dgm:styleLbl name="node0">
+    <dgm:fillClrLst meth="repeat">
+      <a:schemeClr val="accent5"/>
+    </dgm:fillClrLst>
+    <dgm:linClrLst meth="repeat">
+      <a:schemeClr val="lt1"/>
+    </dgm:linClrLst>
+    <dgm:effectClrLst/>
+    <dgm:txLinClrLst/>
+    <dgm:txFillClrLst/>
+    <dgm:txEffectClrLst/>
+  </dgm:styleLbl>
+  <dgm:styleLbl name="node1">
+    <dgm:fillClrLst meth="repeat">
+      <a:schemeClr val="accent5"/>
+    </dgm:fillClrLst>
+    <dgm:linClrLst meth="repeat">
+      <a:schemeClr val="lt1"/>
+    </dgm:linClrLst>
+    <dgm:effectClrLst/>
+    <dgm:txLinClrLst/>
+    <dgm:txFillClrLst/>
+    <dgm:txEffectClrLst/>
+  </dgm:styleLbl>
+  <dgm:styleLbl name="alignNode1">
+    <dgm:fillClrLst meth="repeat">
+      <a:schemeClr val="accent5"/>
+    </dgm:fillClrLst>
+    <dgm:linClrLst meth="repeat">
+      <a:schemeClr val="accent5"/>
+    </dgm:linClrLst>
+    <dgm:effectClrLst/>
+    <dgm:txLinClrLst/>
+    <dgm:txFillClrLst/>
+    <dgm:txEffectClrLst/>
+  </dgm:styleLbl>
+  <dgm:styleLbl name="lnNode1">
+    <dgm:fillClrLst meth="repeat">
+      <a:schemeClr val="accent5"/>
+    </dgm:fillClrLst>
+    <dgm:linClrLst meth="repeat">
+      <a:schemeClr val="lt1"/>
+    </dgm:linClrLst>
+    <dgm:effectClrLst/>
+    <dgm:txLinClrLst/>
+    <dgm:txFillClrLst/>
+    <dgm:txEffectClrLst/>
+  </dgm:styleLbl>
+  <dgm:styleLbl name="vennNode1">
+    <dgm:fillClrLst meth="repeat">
+      <a:schemeClr val="accent5">
+        <a:alpha val="50000"/>
+      </a:schemeClr>
+    </dgm:fillClrLst>
+    <dgm:linClrLst meth="repeat">
+      <a:schemeClr val="lt1"/>
+    </dgm:linClrLst>
+    <dgm:effectClrLst/>
+    <dgm:txLinClrLst/>
+    <dgm:txFillClrLst/>
+    <dgm:txEffectClrLst/>
+  </dgm:styleLbl>
+  <dgm:styleLbl name="node2">
+    <dgm:fillClrLst meth="repeat">
+      <a:schemeClr val="accent5"/>
+    </dgm:fillClrLst>
+    <dgm:linClrLst meth="repeat">
+      <a:schemeClr val="lt1"/>
+    </dgm:linClrLst>
+    <dgm:effectClrLst/>
+    <dgm:txLinClrLst/>
+    <dgm:txFillClrLst/>
+    <dgm:txEffectClrLst/>
+  </dgm:styleLbl>
+  <dgm:styleLbl name="node3">
+    <dgm:fillClrLst meth="repeat">
+      <a:schemeClr val="accent5"/>
+    </dgm:fillClrLst>
+    <dgm:linClrLst meth="repeat">
+      <a:schemeClr val="lt1"/>
+    </dgm:linClrLst>
+    <dgm:effectClrLst/>
+    <dgm:txLinClrLst/>
+    <dgm:txFillClrLst/>
+    <dgm:txEffectClrLst/>
+  </dgm:styleLbl>
+  <dgm:styleLbl name="node4">
+    <dgm:fillClrLst meth="repeat">
+      <a:schemeClr val="accent5"/>
+    </dgm:fillClrLst>
+    <dgm:linClrLst meth="repeat">
+      <a:schemeClr val="lt1"/>
+    </dgm:linClrLst>
+    <dgm:effectClrLst/>
+    <dgm:txLinClrLst/>
+    <dgm:txFillClrLst/>
+    <dgm:txEffectClrLst/>
+  </dgm:styleLbl>
+  <dgm:styleLbl name="fgImgPlace1">
+    <dgm:fillClrLst meth="repeat">
+      <a:schemeClr val="accent5">
+        <a:tint val="50000"/>
+      </a:schemeClr>
+    </dgm:fillClrLst>
+    <dgm:linClrLst meth="repeat">
+      <a:schemeClr val="lt1"/>
+    </dgm:linClrLst>
+    <dgm:effectClrLst/>
+    <dgm:txLinClrLst/>
+    <dgm:txFillClrLst meth="repeat">
+      <a:schemeClr val="lt1"/>
+    </dgm:txFillClrLst>
+    <dgm:txEffectClrLst/>
+  </dgm:styleLbl>
+  <dgm:styleLbl name="alignImgPlace1">
+    <dgm:fillClrLst meth="repeat">
+      <a:schemeClr val="accent5">
+        <a:tint val="50000"/>
+      </a:schemeClr>
+    </dgm:fillClrLst>
+    <dgm:linClrLst meth="repeat">
+      <a:schemeClr val="lt1"/>
+    </dgm:linClrLst>
+    <dgm:effectClrLst/>
+    <dgm:txLinClrLst/>
+    <dgm:txFillClrLst meth="repeat">
+      <a:schemeClr val="lt1"/>
+    </dgm:txFillClrLst>
+    <dgm:txEffectClrLst/>
+  </dgm:styleLbl>
+  <dgm:styleLbl name="bgImgPlace1">
+    <dgm:fillClrLst meth="repeat">
+      <a:schemeClr val="accent5">
+        <a:tint val="50000"/>
+      </a:schemeClr>
+    </dgm:fillClrLst>
+    <dgm:linClrLst meth="repeat">
+      <a:schemeClr val="lt1"/>
+    </dgm:linClrLst>
+    <dgm:effectClrLst/>
+    <dgm:txLinClrLst/>
+    <dgm:txFillClrLst meth="repeat">
+      <a:schemeClr val="lt1"/>
+    </dgm:txFillClrLst>
+    <dgm:txEffectClrLst/>
+  </dgm:styleLbl>
+  <dgm:styleLbl name="sibTrans2D1">
+    <dgm:fillClrLst meth="repeat">
+      <a:schemeClr val="accent5">
+        <a:tint val="60000"/>
+      </a:schemeClr>
+    </dgm:fillClrLst>
+    <dgm:linClrLst meth="repeat">
+      <a:schemeClr val="accent5">
+        <a:tint val="60000"/>
+      </a:schemeClr>
+    </dgm:linClrLst>
+    <dgm:effectClrLst/>
+    <dgm:txLinClrLst/>
+    <dgm:txFillClrLst/>
+    <dgm:txEffectClrLst/>
+  </dgm:styleLbl>
+  <dgm:styleLbl name="fgSibTrans2D1">
+    <dgm:fillClrLst meth="repeat">
+      <a:schemeClr val="accent5">
+        <a:tint val="60000"/>
+      </a:schemeClr>
+    </dgm:fillClrLst>
+    <dgm:linClrLst meth="repeat">
+      <a:schemeClr val="accent5">
+        <a:tint val="60000"/>
+      </a:schemeClr>
+    </dgm:linClrLst>
+    <dgm:effectClrLst/>
+    <dgm:txLinClrLst/>
+    <dgm:txFillClrLst/>
+    <dgm:txEffectClrLst/>
+  </dgm:styleLbl>
+  <dgm:styleLbl name="bgSibTrans2D1">
+    <dgm:fillClrLst meth="repeat">
+      <a:schemeClr val="accent5">
+        <a:tint val="60000"/>
+      </a:schemeClr>
+    </dgm:fillClrLst>
+    <dgm:linClrLst meth="repeat">
+      <a:schemeClr val="accent5">
+        <a:tint val="60000"/>
+      </a:schemeClr>
+    </dgm:linClrLst>
+    <dgm:effectClrLst/>
+    <dgm:txLinClrLst/>
+    <dgm:txFillClrLst/>
+    <dgm:txEffectClrLst/>
+  </dgm:styleLbl>
+  <dgm:styleLbl name="sibTrans1D1">
+    <dgm:fillClrLst meth="repeat">
+      <a:schemeClr val="accent5"/>
+    </dgm:fillClrLst>
+    <dgm:linClrLst meth="repeat">
+      <a:schemeClr val="accent5"/>
+    </dgm:linClrLst>
+    <dgm:effectClrLst/>
+    <dgm:txLinClrLst/>
+    <dgm:txFillClrLst meth="repeat">
+      <a:schemeClr val="tx1"/>
+    </dgm:txFillClrLst>
+    <dgm:txEffectClrLst/>
+  </dgm:styleLbl>
+  <dgm:styleLbl name="callout">
+    <dgm:fillClrLst meth="repeat">
+      <a:schemeClr val="accent5"/>
+    </dgm:fillClrLst>
+    <dgm:linClrLst meth="repeat">
+      <a:schemeClr val="accent5">
+        <a:tint val="50000"/>
+      </a:schemeClr>
+    </dgm:linClrLst>
+    <dgm:effectClrLst/>
+    <dgm:txLinClrLst/>
+    <dgm:txFillClrLst meth="repeat">
+      <a:schemeClr val="tx1"/>
+    </dgm:txFillClrLst>
+    <dgm:txEffectClrLst/>
+  </dgm:styleLbl>
+  <dgm:styleLbl name="asst0">
+    <dgm:fillClrLst meth="repeat">
+      <a:schemeClr val="accent5"/>
+    </dgm:fillClrLst>
+    <dgm:linClrLst meth="repeat">
+      <a:schemeClr val="lt1"/>
+    </dgm:linClrLst>
+    <dgm:effectClrLst/>
+    <dgm:txLinClrLst/>
+    <dgm:txFillClrLst/>
+    <dgm:txEffectClrLst/>
+  </dgm:styleLbl>
+  <dgm:styleLbl name="asst1">
+    <dgm:fillClrLst meth="repeat">
+      <a:schemeClr val="accent5"/>
+    </dgm:fillClrLst>
+    <dgm:linClrLst meth="repeat">
+      <a:schemeClr val="lt1"/>
+    </dgm:linClrLst>
+    <dgm:effectClrLst/>
+    <dgm:txLinClrLst/>
+    <dgm:txFillClrLst/>
+    <dgm:txEffectClrLst/>
+  </dgm:styleLbl>
+  <dgm:styleLbl name="asst2">
+    <dgm:fillClrLst meth="repeat">
+      <a:schemeClr val="accent5"/>
+    </dgm:fillClrLst>
+    <dgm:linClrLst meth="repeat">
+      <a:schemeClr val="lt1"/>
+    </dgm:linClrLst>
+    <dgm:effectClrLst/>
+    <dgm:txLinClrLst/>
+    <dgm:txFillClrLst/>
+    <dgm:txEffectClrLst/>
+  </dgm:styleLbl>
+  <dgm:styleLbl name="asst3">
+    <dgm:fillClrLst meth="repeat">
+      <a:schemeClr val="accent5"/>
+    </dgm:fillClrLst>
+    <dgm:linClrLst meth="repeat">
+      <a:schemeClr val="lt1"/>
+    </dgm:linClrLst>
+    <dgm:effectClrLst/>
+    <dgm:txLinClrLst/>
+    <dgm:txFillClrLst/>
+    <dgm:txEffectClrLst/>
+  </dgm:styleLbl>
+  <dgm:styleLbl name="asst4">
+    <dgm:fillClrLst meth="repeat">
+      <a:schemeClr val="accent5"/>
+    </dgm:fillClrLst>
+    <dgm:linClrLst meth="repeat">
+      <a:schemeClr val="lt1"/>
+    </dgm:linClrLst>
+    <dgm:effectClrLst/>
+    <dgm:txLinClrLst/>
+    <dgm:txFillClrLst/>
+    <dgm:txEffectClrLst/>
+  </dgm:styleLbl>
+  <dgm:styleLbl name="parChTrans2D1">
+    <dgm:fillClrLst meth="repeat">
+      <a:schemeClr val="accent5">
+        <a:tint val="60000"/>
+      </a:schemeClr>
+    </dgm:fillClrLst>
+    <dgm:linClrLst meth="repeat">
+      <a:schemeClr val="accent5">
+        <a:tint val="60000"/>
+      </a:schemeClr>
+    </dgm:linClrLst>
+    <dgm:effectClrLst/>
+    <dgm:txLinClrLst/>
+    <dgm:txFillClrLst meth="repeat">
+      <a:schemeClr val="lt1"/>
+    </dgm:txFillClrLst>
+    <dgm:txEffectClrLst/>
+  </dgm:styleLbl>
+  <dgm:styleLbl name="parChTrans2D2">
+    <dgm:fillClrLst meth="repeat">
+      <a:schemeClr val="accent5"/>
+    </dgm:fillClrLst>
+    <dgm:linClrLst meth="repeat">
+      <a:schemeClr val="accent5"/>
+    </dgm:linClrLst>
+    <dgm:effectClrLst/>
+    <dgm:txLinClrLst/>
+    <dgm:txFillClrLst meth="repeat">
+      <a:schemeClr val="lt1"/>
+    </dgm:txFillClrLst>
+    <dgm:txEffectClrLst/>
+  </dgm:styleLbl>
+  <dgm:styleLbl name="parChTrans2D3">
+    <dgm:fillClrLst meth="repeat">
+      <a:schemeClr val="accent5"/>
+    </dgm:fillClrLst>
+    <dgm:linClrLst meth="repeat">
+      <a:schemeClr val="accent5"/>
+    </dgm:linClrLst>
+    <dgm:effectClrLst/>
+    <dgm:txLinClrLst/>
+    <dgm:txFillClrLst meth="repeat">
+      <a:schemeClr val="lt1"/>
+    </dgm:txFillClrLst>
+    <dgm:txEffectClrLst/>
+  </dgm:styleLbl>
+  <dgm:styleLbl name="parChTrans2D4">
+    <dgm:fillClrLst meth="repeat">
+      <a:schemeClr val="accent5"/>
+    </dgm:fillClrLst>
+    <dgm:linClrLst meth="repeat">
+      <a:schemeClr val="accent5"/>
+    </dgm:linClrLst>
+    <dgm:effectClrLst/>
+    <dgm:txLinClrLst/>
+    <dgm:txFillClrLst meth="repeat">
+      <a:schemeClr val="lt1"/>
+    </dgm:txFillClrLst>
+    <dgm:txEffectClrLst/>
+  </dgm:styleLbl>
+  <dgm:styleLbl name="parChTrans1D1">
+    <dgm:fillClrLst meth="repeat">
+      <a:schemeClr val="accent5"/>
+    </dgm:fillClrLst>
+    <dgm:linClrLst meth="repeat">
+      <a:schemeClr val="accent5">
+        <a:shade val="60000"/>
+      </a:schemeClr>
+    </dgm:linClrLst>
+    <dgm:effectClrLst/>
+    <dgm:txLinClrLst/>
+    <dgm:txFillClrLst meth="repeat">
+      <a:schemeClr val="tx1"/>
+    </dgm:txFillClrLst>
+    <dgm:txEffectClrLst/>
+  </dgm:styleLbl>
+  <dgm:styleLbl name="parChTrans1D2">
+    <dgm:fillClrLst meth="repeat">
+      <a:schemeClr val="accent5"/>
+    </dgm:fillClrLst>
+    <dgm:linClrLst meth="repeat">
+      <a:schemeClr val="accent5">
+        <a:shade val="60000"/>
+      </a:schemeClr>
+    </dgm:linClrLst>
+    <dgm:effectClrLst/>
+    <dgm:txLinClrLst/>
+    <dgm:txFillClrLst meth="repeat">
+      <a:schemeClr val="tx1"/>
+    </dgm:txFillClrLst>
+    <dgm:txEffectClrLst/>
+  </dgm:styleLbl>
+  <dgm:styleLbl name="parChTrans1D3">
+    <dgm:fillClrLst meth="repeat">
+      <a:schemeClr val="accent5"/>
+    </dgm:fillClrLst>
+    <dgm:linClrLst meth="repeat">
+      <a:schemeClr val="accent5">
+        <a:shade val="80000"/>
+      </a:schemeClr>
+    </dgm:linClrLst>
+    <dgm:effectClrLst/>
+    <dgm:txLinClrLst/>
+    <dgm:txFillClrLst meth="repeat">
+      <a:schemeClr val="tx1"/>
+    </dgm:txFillClrLst>
+    <dgm:txEffectClrLst/>
+  </dgm:styleLbl>
+  <dgm:styleLbl name="parChTrans1D4">
+    <dgm:fillClrLst meth="repeat">
+      <a:schemeClr val="accent5"/>
+    </dgm:fillClrLst>
+    <dgm:linClrLst meth="repeat">
+      <a:schemeClr val="accent5">
+        <a:shade val="80000"/>
+      </a:schemeClr>
+    </dgm:linClrLst>
+    <dgm:effectClrLst/>
+    <dgm:txLinClrLst/>
+    <dgm:txFillClrLst meth="repeat">
+      <a:schemeClr val="tx1"/>
+    </dgm:txFillClrLst>
+    <dgm:txEffectClrLst/>
+  </dgm:styleLbl>
+  <dgm:styleLbl name="fgAcc1">
+    <dgm:fillClrLst meth="repeat">
+      <a:schemeClr val="lt1">
+        <a:alpha val="90000"/>
+      </a:schemeClr>
+    </dgm:fillClrLst>
+    <dgm:linClrLst meth="repeat">
+      <a:schemeClr val="accent5"/>
+    </dgm:linClrLst>
+    <dgm:effectClrLst/>
+    <dgm:txLinClrLst/>
+    <dgm:txFillClrLst meth="repeat">
+      <a:schemeClr val="dk1"/>
+    </dgm:txFillClrLst>
+    <dgm:txEffectClrLst/>
+  </dgm:styleLbl>
+  <dgm:styleLbl name="conFgAcc1">
+    <dgm:fillClrLst meth="repeat">
+      <a:schemeClr val="lt1">
+        <a:alpha val="90000"/>
+      </a:schemeClr>
+    </dgm:fillClrLst>
+    <dgm:linClrLst meth="repeat">
+      <a:schemeClr val="accent5"/>
+    </dgm:linClrLst>
+    <dgm:effectClrLst/>
+    <dgm:txLinClrLst/>
+    <dgm:txFillClrLst meth="repeat">
+      <a:schemeClr val="dk1"/>
+    </dgm:txFillClrLst>
+    <dgm:txEffectClrLst/>
+  </dgm:styleLbl>
+  <dgm:styleLbl name="alignAcc1">
+    <dgm:fillClrLst meth="repeat">
+      <a:schemeClr val="lt1">
+        <a:alpha val="90000"/>
+      </a:schemeClr>
+    </dgm:fillClrLst>
+    <dgm:linClrLst meth="repeat">
+      <a:schemeClr val="accent5"/>
+    </dgm:linClrLst>
+    <dgm:effectClrLst/>
+    <dgm:txLinClrLst/>
+    <dgm:txFillClrLst meth="repeat">
+      <a:schemeClr val="dk1"/>
+    </dgm:txFillClrLst>
+    <dgm:txEffectClrLst/>
+  </dgm:styleLbl>
+  <dgm:styleLbl name="trAlignAcc1">
+    <dgm:fillClrLst meth="repeat">
+      <a:schemeClr val="lt1">
+        <a:alpha val="40000"/>
+      </a:schemeClr>
+    </dgm:fillClrLst>
+    <dgm:linClrLst meth="repeat">
+      <a:schemeClr val="accent5"/>
+    </dgm:linClrLst>
+    <dgm:effectClrLst/>
+    <dgm:txLinClrLst/>
+    <dgm:txFillClrLst meth="repeat">
+      <a:schemeClr val="dk1"/>
+    </dgm:txFillClrLst>
+    <dgm:txEffectClrLst/>
+  </dgm:styleLbl>
+  <dgm:styleLbl name="bgAcc1">
+    <dgm:fillClrLst meth="repeat">
+      <a:schemeClr val="lt1">
+        <a:alpha val="90000"/>
+      </a:schemeClr>
+    </dgm:fillClrLst>
+    <dgm:linClrLst meth="repeat">
+      <a:schemeClr val="accent5"/>
+    </dgm:linClrLst>
+    <dgm:effectClrLst/>
+    <dgm:txLinClrLst/>
+    <dgm:txFillClrLst meth="repeat">
+      <a:schemeClr val="dk1"/>
+    </dgm:txFillClrLst>
+    <dgm:txEffectClrLst/>
+  </dgm:styleLbl>
+  <dgm:styleLbl name="solidFgAcc1">
+    <dgm:fillClrLst meth="repeat">
+      <a:schemeClr val="lt1"/>
+    </dgm:fillClrLst>
+    <dgm:linClrLst meth="repeat">
+      <a:schemeClr val="accent5"/>
+    </dgm:linClrLst>
+    <dgm:effectClrLst/>
+    <dgm:txLinClrLst/>
+    <dgm:txFillClrLst meth="repeat">
+      <a:schemeClr val="dk1"/>
+    </dgm:txFillClrLst>
+    <dgm:txEffectClrLst/>
+  </dgm:styleLbl>
+  <dgm:styleLbl name="solidAlignAcc1">
+    <dgm:fillClrLst meth="repeat">
+      <a:schemeClr val="lt1"/>
+    </dgm:fillClrLst>
+    <dgm:linClrLst meth="repeat">
+      <a:schemeClr val="accent5"/>
+    </dgm:linClrLst>
+    <dgm:effectClrLst/>
+    <dgm:txLinClrLst/>
+    <dgm:txFillClrLst meth="repeat">
+      <a:schemeClr val="dk1"/>
+    </dgm:txFillClrLst>
+    <dgm:txEffectClrLst/>
+  </dgm:styleLbl>
+  <dgm:styleLbl name="solidBgAcc1">
+    <dgm:fillClrLst meth="repeat">
+      <a:schemeClr val="lt1"/>
+    </dgm:fillClrLst>
+    <dgm:linClrLst meth="repeat">
+      <a:schemeClr val="accent5"/>
+    </dgm:linClrLst>
+    <dgm:effectClrLst/>
+    <dgm:txLinClrLst/>
+    <dgm:txFillClrLst meth="repeat">
+      <a:schemeClr val="dk1"/>
+    </dgm:txFillClrLst>
+    <dgm:txEffectClrLst/>
+  </dgm:styleLbl>
+  <dgm:styleLbl name="fgAccFollowNode1">
+    <dgm:fillClrLst meth="repeat">
+      <a:schemeClr val="accent5">
+        <a:alpha val="90000"/>
+        <a:tint val="40000"/>
+      </a:schemeClr>
+    </dgm:fillClrLst>
+    <dgm:linClrLst meth="repeat">
+      <a:schemeClr val="accent5">
+        <a:alpha val="90000"/>
+        <a:tint val="40000"/>
+      </a:schemeClr>
+    </dgm:linClrLst>
+    <dgm:effectClrLst/>
+    <dgm:txLinClrLst/>
+    <dgm:txFillClrLst meth="repeat">
+      <a:schemeClr val="dk1"/>
+    </dgm:txFillClrLst>
+    <dgm:txEffectClrLst/>
+  </dgm:styleLbl>
+  <dgm:styleLbl name="alignAccFollowNode1">
+    <dgm:fillClrLst meth="repeat">
+      <a:schemeClr val="accent5">
+        <a:alpha val="90000"/>
+        <a:tint val="40000"/>
+      </a:schemeClr>
+    </dgm:fillClrLst>
+    <dgm:linClrLst meth="repeat">
+      <a:schemeClr val="accent5">
+        <a:alpha val="90000"/>
+        <a:tint val="40000"/>
+      </a:schemeClr>
+    </dgm:linClrLst>
+    <dgm:effectClrLst/>
+    <dgm:txLinClrLst/>
+    <dgm:txFillClrLst meth="repeat">
+      <a:schemeClr val="dk1"/>
+    </dgm:txFillClrLst>
+    <dgm:txEffectClrLst/>
+  </dgm:styleLbl>
+  <dgm:styleLbl name="bgAccFollowNode1">
+    <dgm:fillClrLst meth="repeat">
+      <a:schemeClr val="accent5">
+        <a:alpha val="90000"/>
+        <a:tint val="40000"/>
+      </a:schemeClr>
+    </dgm:fillClrLst>
+    <dgm:linClrLst meth="repeat">
+      <a:schemeClr val="accent5">
+        <a:alpha val="90000"/>
+        <a:tint val="40000"/>
+      </a:schemeClr>
+    </dgm:linClrLst>
+    <dgm:effectClrLst/>
+    <dgm:txLinClrLst/>
+    <dgm:txFillClrLst meth="repeat">
+      <a:schemeClr val="dk1"/>
+    </dgm:txFillClrLst>
+    <dgm:txEffectClrLst/>
+  </dgm:styleLbl>
+  <dgm:styleLbl name="fgAcc0">
+    <dgm:fillClrLst meth="repeat">
+      <a:schemeClr val="lt1">
+        <a:alpha val="90000"/>
+      </a:schemeClr>
+    </dgm:fillClrLst>
+    <dgm:linClrLst meth="repeat">
+      <a:schemeClr val="accent5"/>
+    </dgm:linClrLst>
+    <dgm:effectClrLst/>
+    <dgm:txLinClrLst/>
+    <dgm:txFillClrLst meth="repeat">
+      <a:schemeClr val="dk1"/>
+    </dgm:txFillClrLst>
+    <dgm:txEffectClrLst/>
+  </dgm:styleLbl>
+  <dgm:styleLbl name="fgAcc2">
+    <dgm:fillClrLst meth="repeat">
+      <a:schemeClr val="lt1">
+        <a:alpha val="90000"/>
+      </a:schemeClr>
+    </dgm:fillClrLst>
+    <dgm:linClrLst meth="repeat">
+      <a:schemeClr val="accent5"/>
+    </dgm:linClrLst>
+    <dgm:effectClrLst/>
+    <dgm:txLinClrLst/>
+    <dgm:txFillClrLst meth="repeat">
+      <a:schemeClr val="dk1"/>
+    </dgm:txFillClrLst>
+    <dgm:txEffectClrLst/>
+  </dgm:styleLbl>
+  <dgm:styleLbl name="fgAcc3">
+    <dgm:fillClrLst meth="repeat">
+      <a:schemeClr val="lt1">
+        <a:alpha val="90000"/>
+      </a:schemeClr>
+    </dgm:fillClrLst>
+    <dgm:linClrLst meth="repeat">
+      <a:schemeClr val="accent5"/>
+    </dgm:linClrLst>
+    <dgm:effectClrLst/>
+    <dgm:txLinClrLst/>
+    <dgm:txFillClrLst meth="repeat">
+      <a:schemeClr val="dk1"/>
+    </dgm:txFillClrLst>
+    <dgm:txEffectClrLst/>
+  </dgm:styleLbl>
+  <dgm:styleLbl name="fgAcc4">
+    <dgm:fillClrLst meth="repeat">
+      <a:schemeClr val="lt1">
+        <a:alpha val="90000"/>
+      </a:schemeClr>
+    </dgm:fillClrLst>
+    <dgm:linClrLst meth="repeat">
+      <a:schemeClr val="accent5"/>
+    </dgm:linClrLst>
+    <dgm:effectClrLst/>
+    <dgm:txLinClrLst/>
+    <dgm:txFillClrLst meth="repeat">
+      <a:schemeClr val="dk1"/>
+    </dgm:txFillClrLst>
+    <dgm:txEffectClrLst/>
+  </dgm:styleLbl>
+  <dgm:styleLbl name="bgShp">
+    <dgm:fillClrLst meth="repeat">
+      <a:schemeClr val="accent5">
+        <a:tint val="40000"/>
+      </a:schemeClr>
+    </dgm:fillClrLst>
+    <dgm:linClrLst meth="repeat">
+      <a:schemeClr val="accent5"/>
+    </dgm:linClrLst>
+    <dgm:effectClrLst/>
+    <dgm:txLinClrLst/>
+    <dgm:txFillClrLst meth="repeat">
+      <a:schemeClr val="dk1"/>
+    </dgm:txFillClrLst>
+    <dgm:txEffectClrLst/>
+  </dgm:styleLbl>
+  <dgm:styleLbl name="dkBgShp">
+    <dgm:fillClrLst meth="repeat">
+      <a:schemeClr val="accent5">
+        <a:shade val="80000"/>
+      </a:schemeClr>
+    </dgm:fillClrLst>
+    <dgm:linClrLst meth="repeat">
+      <a:schemeClr val="accent5"/>
+    </dgm:linClrLst>
+    <dgm:effectClrLst/>
+    <dgm:txLinClrLst/>
+    <dgm:txFillClrLst meth="repeat">
+      <a:schemeClr val="lt1"/>
+    </dgm:txFillClrLst>
+    <dgm:txEffectClrLst/>
+  </dgm:styleLbl>
+  <dgm:styleLbl name="trBgShp">
+    <dgm:fillClrLst meth="repeat">
+      <a:schemeClr val="accent5">
+        <a:tint val="50000"/>
+        <a:alpha val="40000"/>
+      </a:schemeClr>
+    </dgm:fillClrLst>
+    <dgm:linClrLst meth="repeat">
+      <a:schemeClr val="accent5"/>
+    </dgm:linClrLst>
+    <dgm:effectClrLst/>
+    <dgm:txLinClrLst/>
+    <dgm:txFillClrLst meth="repeat">
+      <a:schemeClr val="lt1"/>
+    </dgm:txFillClrLst>
+    <dgm:txEffectClrLst/>
+  </dgm:styleLbl>
+  <dgm:styleLbl name="fgShp">
+    <dgm:fillClrLst meth="repeat">
+      <a:schemeClr val="accent5">
+        <a:tint val="60000"/>
+      </a:schemeClr>
+    </dgm:fillClrLst>
+    <dgm:linClrLst meth="repeat">
+      <a:schemeClr val="lt1"/>
+    </dgm:linClrLst>
+    <dgm:effectClrLst/>
+    <dgm:txLinClrLst/>
+    <dgm:txFillClrLst meth="repeat">
+      <a:schemeClr val="dk1"/>
+    </dgm:txFillClrLst>
+    <dgm:txEffectClrLst/>
+  </dgm:styleLbl>
+  <dgm:styleLbl name="revTx">
+    <dgm:fillClrLst meth="repeat">
+      <a:schemeClr val="lt1">
+        <a:alpha val="0"/>
+      </a:schemeClr>
+    </dgm:fillClrLst>
+    <dgm:linClrLst meth="repeat">
+      <a:schemeClr val="dk1">
+        <a:alpha val="0"/>
+      </a:schemeClr>
+    </dgm:linClrLst>
+    <dgm:effectClrLst/>
+    <dgm:txLinClrLst/>
+    <dgm:txFillClrLst meth="repeat">
+      <a:schemeClr val="tx1"/>
+    </dgm:txFillClrLst>
+    <dgm:txEffectClrLst/>
+  </dgm:styleLbl>
+</dgm:colorsDef>
+</file>
+
+<file path=ppt/diagrams/colors2.xml><?xml version="1.0" encoding="utf-8"?>
 <dgm:colorsDef xmlns:dgm="http://schemas.openxmlformats.org/drawingml/2006/diagram" xmlns:a="http://schemas.openxmlformats.org/drawingml/2006/main" uniqueId="urn:microsoft.com/office/officeart/2005/8/colors/accent5_2">
   <dgm:title val=""/>
   <dgm:desc val=""/>
@@ -1118,6 +1870,351 @@
     <dgm:cxn modelId="{1CBEE640-4DB6-45E5-9205-54ADAA166022}" type="presParOf" srcId="{C903AEFE-C1FF-450E-86D1-E3DC762526F7}" destId="{1FC9F66A-6E44-441A-8CAF-973AC04B2927}" srcOrd="5" destOrd="0" presId="urn:microsoft.com/office/officeart/2008/layout/VerticalCurvedList"/>
     <dgm:cxn modelId="{EA03125A-B02A-46D7-AB84-72F6867D2307}" type="presParOf" srcId="{C903AEFE-C1FF-450E-86D1-E3DC762526F7}" destId="{E927AA58-1F90-4BA5-8371-36EAA5BFED91}" srcOrd="6" destOrd="0" presId="urn:microsoft.com/office/officeart/2008/layout/VerticalCurvedList"/>
     <dgm:cxn modelId="{FDE81F6E-8E0F-48F2-BA09-7B780F104BE0}" type="presParOf" srcId="{E927AA58-1F90-4BA5-8371-36EAA5BFED91}" destId="{F7379E9F-7570-46CF-8DE5-6E8FA4C3E39B}" srcOrd="0" destOrd="0" presId="urn:microsoft.com/office/officeart/2008/layout/VerticalCurvedList"/>
+  </dgm:cxnLst>
+  <dgm:bg/>
+  <dgm:whole/>
+  <dgm:extLst>
+    <a:ext uri="http://schemas.microsoft.com/office/drawing/2008/diagram">
+      <dsp:dataModelExt xmlns:dsp="http://schemas.microsoft.com/office/drawing/2008/diagram" relId="rId6" minVer="http://schemas.openxmlformats.org/drawingml/2006/diagram"/>
+    </a:ext>
+  </dgm:extLst>
+</dgm:dataModel>
+</file>
+
+<file path=ppt/diagrams/data2.xml><?xml version="1.0" encoding="utf-8"?>
+<dgm:dataModel xmlns:dgm="http://schemas.openxmlformats.org/drawingml/2006/diagram" xmlns:a="http://schemas.openxmlformats.org/drawingml/2006/main">
+  <dgm:ptLst>
+    <dgm:pt modelId="{6872461C-A4B0-4C40-87B3-BF794C39E716}" type="doc">
+      <dgm:prSet loTypeId="urn:microsoft.com/office/officeart/2005/8/layout/list1" loCatId="list" qsTypeId="urn:microsoft.com/office/officeart/2005/8/quickstyle/3d3" qsCatId="3D" csTypeId="urn:microsoft.com/office/officeart/2005/8/colors/accent5_2" csCatId="accent5" phldr="1"/>
+      <dgm:spPr/>
+      <dgm:t>
+        <a:bodyPr/>
+        <a:lstStyle/>
+        <a:p>
+          <a:endParaRPr lang="en-US"/>
+        </a:p>
+      </dgm:t>
+    </dgm:pt>
+    <dgm:pt modelId="{82ADA00C-421E-41D1-82D4-88F0DF010717}">
+      <dgm:prSet custT="1"/>
+      <dgm:spPr/>
+      <dgm:t>
+        <a:bodyPr/>
+        <a:lstStyle/>
+        <a:p>
+          <a:r>
+            <a:rPr lang="en-US" sz="2000" b="0" dirty="0"/>
+            <a:t>People lose money daily because shops don’t usually have change and it ends up on people losing small change everywhere.</a:t>
+          </a:r>
+        </a:p>
+      </dgm:t>
+    </dgm:pt>
+    <dgm:pt modelId="{8C90FF78-05CA-467A-B84C-C00700AF528A}" type="parTrans" cxnId="{CCAE163F-CBF0-486D-A37C-E420CC36844E}">
+      <dgm:prSet/>
+      <dgm:spPr/>
+      <dgm:t>
+        <a:bodyPr/>
+        <a:lstStyle/>
+        <a:p>
+          <a:endParaRPr lang="en-US"/>
+        </a:p>
+      </dgm:t>
+    </dgm:pt>
+    <dgm:pt modelId="{8EF95C1D-8A10-4F81-A40E-A2209D8A098A}" type="sibTrans" cxnId="{CCAE163F-CBF0-486D-A37C-E420CC36844E}">
+      <dgm:prSet/>
+      <dgm:spPr/>
+      <dgm:t>
+        <a:bodyPr/>
+        <a:lstStyle/>
+        <a:p>
+          <a:endParaRPr lang="en-US"/>
+        </a:p>
+      </dgm:t>
+    </dgm:pt>
+    <dgm:pt modelId="{F4787ECC-660B-40FF-A8FF-3A34E3567AE1}">
+      <dgm:prSet custT="1"/>
+      <dgm:spPr/>
+      <dgm:t>
+        <a:bodyPr/>
+        <a:lstStyle/>
+        <a:p>
+          <a:r>
+            <a:rPr lang="en-US" sz="2000" dirty="0"/>
+            <a:t>Though this may be considered the "old-fashioned way" when it comes to transferring money, using cash can be extremely practical in some circumstances. </a:t>
+          </a:r>
+        </a:p>
+      </dgm:t>
+    </dgm:pt>
+    <dgm:pt modelId="{0E8DBEE1-A2A2-46A1-8DDD-39FDA882E21F}" type="parTrans" cxnId="{3E12F893-4597-48C4-93B4-438075CFF289}">
+      <dgm:prSet/>
+      <dgm:spPr/>
+      <dgm:t>
+        <a:bodyPr/>
+        <a:lstStyle/>
+        <a:p>
+          <a:endParaRPr lang="en-US"/>
+        </a:p>
+      </dgm:t>
+    </dgm:pt>
+    <dgm:pt modelId="{2BB46F85-AA75-4CB0-938F-3546AFDECFDD}" type="sibTrans" cxnId="{3E12F893-4597-48C4-93B4-438075CFF289}">
+      <dgm:prSet/>
+      <dgm:spPr/>
+      <dgm:t>
+        <a:bodyPr/>
+        <a:lstStyle/>
+        <a:p>
+          <a:endParaRPr lang="en-US"/>
+        </a:p>
+      </dgm:t>
+    </dgm:pt>
+    <dgm:pt modelId="{3DC1FC9A-0451-4FDB-BA50-3881AA75D7EF}">
+      <dgm:prSet custT="1"/>
+      <dgm:spPr/>
+      <dgm:t>
+        <a:bodyPr/>
+        <a:lstStyle/>
+        <a:p>
+          <a:r>
+            <a:rPr lang="en-US" sz="2000" b="0" dirty="0"/>
+            <a:t>Sometimes its hard getting the remaining money in cash which is really annoying.</a:t>
+          </a:r>
+        </a:p>
+      </dgm:t>
+    </dgm:pt>
+    <dgm:pt modelId="{8A5894C4-2D47-42AD-9168-2AA7672F7E9E}" type="parTrans" cxnId="{59BFA7CB-7223-4756-86F5-0FA78AB58B1F}">
+      <dgm:prSet/>
+      <dgm:spPr/>
+      <dgm:t>
+        <a:bodyPr/>
+        <a:lstStyle/>
+        <a:p>
+          <a:endParaRPr lang="en-US"/>
+        </a:p>
+      </dgm:t>
+    </dgm:pt>
+    <dgm:pt modelId="{17628854-6350-4817-80B0-234739B546CE}" type="sibTrans" cxnId="{59BFA7CB-7223-4756-86F5-0FA78AB58B1F}">
+      <dgm:prSet/>
+      <dgm:spPr/>
+      <dgm:t>
+        <a:bodyPr/>
+        <a:lstStyle/>
+        <a:p>
+          <a:endParaRPr lang="en-US"/>
+        </a:p>
+      </dgm:t>
+    </dgm:pt>
+    <dgm:pt modelId="{A65BB6DB-812B-47CB-B0AB-E7D56E367A1A}">
+      <dgm:prSet custT="1"/>
+      <dgm:spPr/>
+      <dgm:t>
+        <a:bodyPr/>
+        <a:lstStyle/>
+        <a:p>
+          <a:r>
+            <a:rPr lang="en-US" sz="2000" b="0" dirty="0"/>
+            <a:t>A lot of people don’t like to carry a lot of money with them because they are exposed to stolen.   </a:t>
+          </a:r>
+        </a:p>
+      </dgm:t>
+    </dgm:pt>
+    <dgm:pt modelId="{B080FA1E-8369-4EE4-8015-E1286ED671F4}" type="parTrans" cxnId="{8936D35A-B81A-4EC5-871A-634354785EBE}">
+      <dgm:prSet/>
+      <dgm:spPr/>
+      <dgm:t>
+        <a:bodyPr/>
+        <a:lstStyle/>
+        <a:p>
+          <a:endParaRPr lang="en-US"/>
+        </a:p>
+      </dgm:t>
+    </dgm:pt>
+    <dgm:pt modelId="{75750007-FC7A-43ED-8033-EBFE69180B60}" type="sibTrans" cxnId="{8936D35A-B81A-4EC5-871A-634354785EBE}">
+      <dgm:prSet/>
+      <dgm:spPr/>
+      <dgm:t>
+        <a:bodyPr/>
+        <a:lstStyle/>
+        <a:p>
+          <a:endParaRPr lang="en-US"/>
+        </a:p>
+      </dgm:t>
+    </dgm:pt>
+    <dgm:pt modelId="{255D4C0C-57C4-4205-B6F8-3F827BC5F6EB}" type="pres">
+      <dgm:prSet presAssocID="{6872461C-A4B0-4C40-87B3-BF794C39E716}" presName="linear" presStyleCnt="0">
+        <dgm:presLayoutVars>
+          <dgm:dir/>
+          <dgm:animLvl val="lvl"/>
+          <dgm:resizeHandles val="exact"/>
+        </dgm:presLayoutVars>
+      </dgm:prSet>
+      <dgm:spPr/>
+    </dgm:pt>
+    <dgm:pt modelId="{70DEB6FA-4DE7-4833-B05F-7401D052C3E9}" type="pres">
+      <dgm:prSet presAssocID="{82ADA00C-421E-41D1-82D4-88F0DF010717}" presName="parentLin" presStyleCnt="0"/>
+      <dgm:spPr/>
+    </dgm:pt>
+    <dgm:pt modelId="{A62A1622-5A9C-4518-891C-7367CC1EE50F}" type="pres">
+      <dgm:prSet presAssocID="{82ADA00C-421E-41D1-82D4-88F0DF010717}" presName="parentLeftMargin" presStyleLbl="node1" presStyleIdx="0" presStyleCnt="4"/>
+      <dgm:spPr/>
+    </dgm:pt>
+    <dgm:pt modelId="{93E19A59-E699-4C7E-8A3B-936CDD649607}" type="pres">
+      <dgm:prSet presAssocID="{82ADA00C-421E-41D1-82D4-88F0DF010717}" presName="parentText" presStyleLbl="node1" presStyleIdx="0" presStyleCnt="4" custScaleX="120543">
+        <dgm:presLayoutVars>
+          <dgm:chMax val="0"/>
+          <dgm:bulletEnabled val="1"/>
+        </dgm:presLayoutVars>
+      </dgm:prSet>
+      <dgm:spPr/>
+    </dgm:pt>
+    <dgm:pt modelId="{D80E3B77-AF9A-4F14-8CB0-6E1EAB041B33}" type="pres">
+      <dgm:prSet presAssocID="{82ADA00C-421E-41D1-82D4-88F0DF010717}" presName="negativeSpace" presStyleCnt="0"/>
+      <dgm:spPr/>
+    </dgm:pt>
+    <dgm:pt modelId="{2BB1E7F2-FB62-4C19-8118-476551990381}" type="pres">
+      <dgm:prSet presAssocID="{82ADA00C-421E-41D1-82D4-88F0DF010717}" presName="childText" presStyleLbl="conFgAcc1" presStyleIdx="0" presStyleCnt="4">
+        <dgm:presLayoutVars>
+          <dgm:bulletEnabled val="1"/>
+        </dgm:presLayoutVars>
+      </dgm:prSet>
+      <dgm:spPr/>
+    </dgm:pt>
+    <dgm:pt modelId="{93292F00-A9A6-4428-9076-82910FF05E55}" type="pres">
+      <dgm:prSet presAssocID="{8EF95C1D-8A10-4F81-A40E-A2209D8A098A}" presName="spaceBetweenRectangles" presStyleCnt="0"/>
+      <dgm:spPr/>
+    </dgm:pt>
+    <dgm:pt modelId="{FA168690-45C7-4E12-A37F-7C24621585A4}" type="pres">
+      <dgm:prSet presAssocID="{F4787ECC-660B-40FF-A8FF-3A34E3567AE1}" presName="parentLin" presStyleCnt="0"/>
+      <dgm:spPr/>
+    </dgm:pt>
+    <dgm:pt modelId="{F3B4E635-403F-46A0-85B0-6C890FA2BFB0}" type="pres">
+      <dgm:prSet presAssocID="{F4787ECC-660B-40FF-A8FF-3A34E3567AE1}" presName="parentLeftMargin" presStyleLbl="node1" presStyleIdx="0" presStyleCnt="4"/>
+      <dgm:spPr/>
+    </dgm:pt>
+    <dgm:pt modelId="{D80AEED4-1408-4E37-A6B2-28D13AD1FF88}" type="pres">
+      <dgm:prSet presAssocID="{F4787ECC-660B-40FF-A8FF-3A34E3567AE1}" presName="parentText" presStyleLbl="node1" presStyleIdx="1" presStyleCnt="4" custScaleX="121493">
+        <dgm:presLayoutVars>
+          <dgm:chMax val="0"/>
+          <dgm:bulletEnabled val="1"/>
+        </dgm:presLayoutVars>
+      </dgm:prSet>
+      <dgm:spPr/>
+    </dgm:pt>
+    <dgm:pt modelId="{6DE9F115-2502-4ACF-9FDF-F4546281ACD2}" type="pres">
+      <dgm:prSet presAssocID="{F4787ECC-660B-40FF-A8FF-3A34E3567AE1}" presName="negativeSpace" presStyleCnt="0"/>
+      <dgm:spPr/>
+    </dgm:pt>
+    <dgm:pt modelId="{06C4E697-43C8-4760-87F4-9CF1B0D07447}" type="pres">
+      <dgm:prSet presAssocID="{F4787ECC-660B-40FF-A8FF-3A34E3567AE1}" presName="childText" presStyleLbl="conFgAcc1" presStyleIdx="1" presStyleCnt="4">
+        <dgm:presLayoutVars>
+          <dgm:bulletEnabled val="1"/>
+        </dgm:presLayoutVars>
+      </dgm:prSet>
+      <dgm:spPr/>
+    </dgm:pt>
+    <dgm:pt modelId="{7E42E55F-BD04-4997-A965-02EB725BFE3A}" type="pres">
+      <dgm:prSet presAssocID="{2BB46F85-AA75-4CB0-938F-3546AFDECFDD}" presName="spaceBetweenRectangles" presStyleCnt="0"/>
+      <dgm:spPr/>
+    </dgm:pt>
+    <dgm:pt modelId="{6D7F08A1-66E2-45F3-9B36-20C18F4C4538}" type="pres">
+      <dgm:prSet presAssocID="{3DC1FC9A-0451-4FDB-BA50-3881AA75D7EF}" presName="parentLin" presStyleCnt="0"/>
+      <dgm:spPr/>
+    </dgm:pt>
+    <dgm:pt modelId="{564E927F-A1A9-4CEC-8D6B-3FD06986EA1C}" type="pres">
+      <dgm:prSet presAssocID="{3DC1FC9A-0451-4FDB-BA50-3881AA75D7EF}" presName="parentLeftMargin" presStyleLbl="node1" presStyleIdx="1" presStyleCnt="4"/>
+      <dgm:spPr/>
+    </dgm:pt>
+    <dgm:pt modelId="{28EF42DA-9B6F-4B0E-9592-73830B574544}" type="pres">
+      <dgm:prSet presAssocID="{3DC1FC9A-0451-4FDB-BA50-3881AA75D7EF}" presName="parentText" presStyleLbl="node1" presStyleIdx="2" presStyleCnt="4" custScaleX="122520">
+        <dgm:presLayoutVars>
+          <dgm:chMax val="0"/>
+          <dgm:bulletEnabled val="1"/>
+        </dgm:presLayoutVars>
+      </dgm:prSet>
+      <dgm:spPr/>
+    </dgm:pt>
+    <dgm:pt modelId="{D7FB0292-270B-40D5-B674-94EE4A4F84B1}" type="pres">
+      <dgm:prSet presAssocID="{3DC1FC9A-0451-4FDB-BA50-3881AA75D7EF}" presName="negativeSpace" presStyleCnt="0"/>
+      <dgm:spPr/>
+    </dgm:pt>
+    <dgm:pt modelId="{A3A508B2-05A8-4D3E-A08E-63FD1589304D}" type="pres">
+      <dgm:prSet presAssocID="{3DC1FC9A-0451-4FDB-BA50-3881AA75D7EF}" presName="childText" presStyleLbl="conFgAcc1" presStyleIdx="2" presStyleCnt="4">
+        <dgm:presLayoutVars>
+          <dgm:bulletEnabled val="1"/>
+        </dgm:presLayoutVars>
+      </dgm:prSet>
+      <dgm:spPr/>
+    </dgm:pt>
+    <dgm:pt modelId="{00067C3D-4AE7-432F-98A4-CD6D63C01620}" type="pres">
+      <dgm:prSet presAssocID="{17628854-6350-4817-80B0-234739B546CE}" presName="spaceBetweenRectangles" presStyleCnt="0"/>
+      <dgm:spPr/>
+    </dgm:pt>
+    <dgm:pt modelId="{F4731BFB-D648-481A-9094-2E538BA500AD}" type="pres">
+      <dgm:prSet presAssocID="{A65BB6DB-812B-47CB-B0AB-E7D56E367A1A}" presName="parentLin" presStyleCnt="0"/>
+      <dgm:spPr/>
+    </dgm:pt>
+    <dgm:pt modelId="{E9030B32-9275-4D79-95AC-FFDB67465AA8}" type="pres">
+      <dgm:prSet presAssocID="{A65BB6DB-812B-47CB-B0AB-E7D56E367A1A}" presName="parentLeftMargin" presStyleLbl="node1" presStyleIdx="2" presStyleCnt="4"/>
+      <dgm:spPr/>
+    </dgm:pt>
+    <dgm:pt modelId="{E656A47D-0270-4323-8CD7-2D394D973D0B}" type="pres">
+      <dgm:prSet presAssocID="{A65BB6DB-812B-47CB-B0AB-E7D56E367A1A}" presName="parentText" presStyleLbl="node1" presStyleIdx="3" presStyleCnt="4" custScaleX="123714">
+        <dgm:presLayoutVars>
+          <dgm:chMax val="0"/>
+          <dgm:bulletEnabled val="1"/>
+        </dgm:presLayoutVars>
+      </dgm:prSet>
+      <dgm:spPr/>
+    </dgm:pt>
+    <dgm:pt modelId="{955BF47F-3CE9-4485-9BD8-510B391CC503}" type="pres">
+      <dgm:prSet presAssocID="{A65BB6DB-812B-47CB-B0AB-E7D56E367A1A}" presName="negativeSpace" presStyleCnt="0"/>
+      <dgm:spPr/>
+    </dgm:pt>
+    <dgm:pt modelId="{457CB27A-D91C-4811-8A87-611DBEF1DC66}" type="pres">
+      <dgm:prSet presAssocID="{A65BB6DB-812B-47CB-B0AB-E7D56E367A1A}" presName="childText" presStyleLbl="conFgAcc1" presStyleIdx="3" presStyleCnt="4">
+        <dgm:presLayoutVars>
+          <dgm:bulletEnabled val="1"/>
+        </dgm:presLayoutVars>
+      </dgm:prSet>
+      <dgm:spPr/>
+    </dgm:pt>
+  </dgm:ptLst>
+  <dgm:cxnLst>
+    <dgm:cxn modelId="{204B7930-4DDC-40CC-882E-76FC9DC99E58}" type="presOf" srcId="{F4787ECC-660B-40FF-A8FF-3A34E3567AE1}" destId="{F3B4E635-403F-46A0-85B0-6C890FA2BFB0}" srcOrd="0" destOrd="0" presId="urn:microsoft.com/office/officeart/2005/8/layout/list1"/>
+    <dgm:cxn modelId="{FD639034-1E1C-4738-AE2C-10A8B9B08F32}" type="presOf" srcId="{82ADA00C-421E-41D1-82D4-88F0DF010717}" destId="{A62A1622-5A9C-4518-891C-7367CC1EE50F}" srcOrd="0" destOrd="0" presId="urn:microsoft.com/office/officeart/2005/8/layout/list1"/>
+    <dgm:cxn modelId="{CCAE163F-CBF0-486D-A37C-E420CC36844E}" srcId="{6872461C-A4B0-4C40-87B3-BF794C39E716}" destId="{82ADA00C-421E-41D1-82D4-88F0DF010717}" srcOrd="0" destOrd="0" parTransId="{8C90FF78-05CA-467A-B84C-C00700AF528A}" sibTransId="{8EF95C1D-8A10-4F81-A40E-A2209D8A098A}"/>
+    <dgm:cxn modelId="{01684061-C990-4DBE-B360-2377C7518995}" type="presOf" srcId="{F4787ECC-660B-40FF-A8FF-3A34E3567AE1}" destId="{D80AEED4-1408-4E37-A6B2-28D13AD1FF88}" srcOrd="1" destOrd="0" presId="urn:microsoft.com/office/officeart/2005/8/layout/list1"/>
+    <dgm:cxn modelId="{CB73B64F-6892-457E-98C3-19685946D3E7}" type="presOf" srcId="{3DC1FC9A-0451-4FDB-BA50-3881AA75D7EF}" destId="{28EF42DA-9B6F-4B0E-9592-73830B574544}" srcOrd="1" destOrd="0" presId="urn:microsoft.com/office/officeart/2005/8/layout/list1"/>
+    <dgm:cxn modelId="{8936D35A-B81A-4EC5-871A-634354785EBE}" srcId="{6872461C-A4B0-4C40-87B3-BF794C39E716}" destId="{A65BB6DB-812B-47CB-B0AB-E7D56E367A1A}" srcOrd="3" destOrd="0" parTransId="{B080FA1E-8369-4EE4-8015-E1286ED671F4}" sibTransId="{75750007-FC7A-43ED-8033-EBFE69180B60}"/>
+    <dgm:cxn modelId="{86084C92-21BE-4840-A21A-8EE284E7AD6E}" type="presOf" srcId="{82ADA00C-421E-41D1-82D4-88F0DF010717}" destId="{93E19A59-E699-4C7E-8A3B-936CDD649607}" srcOrd="1" destOrd="0" presId="urn:microsoft.com/office/officeart/2005/8/layout/list1"/>
+    <dgm:cxn modelId="{3E12F893-4597-48C4-93B4-438075CFF289}" srcId="{6872461C-A4B0-4C40-87B3-BF794C39E716}" destId="{F4787ECC-660B-40FF-A8FF-3A34E3567AE1}" srcOrd="1" destOrd="0" parTransId="{0E8DBEE1-A2A2-46A1-8DDD-39FDA882E21F}" sibTransId="{2BB46F85-AA75-4CB0-938F-3546AFDECFDD}"/>
+    <dgm:cxn modelId="{E35123C6-EB22-4025-A975-58843FC4F23B}" type="presOf" srcId="{A65BB6DB-812B-47CB-B0AB-E7D56E367A1A}" destId="{E656A47D-0270-4323-8CD7-2D394D973D0B}" srcOrd="1" destOrd="0" presId="urn:microsoft.com/office/officeart/2005/8/layout/list1"/>
+    <dgm:cxn modelId="{59BFA7CB-7223-4756-86F5-0FA78AB58B1F}" srcId="{6872461C-A4B0-4C40-87B3-BF794C39E716}" destId="{3DC1FC9A-0451-4FDB-BA50-3881AA75D7EF}" srcOrd="2" destOrd="0" parTransId="{8A5894C4-2D47-42AD-9168-2AA7672F7E9E}" sibTransId="{17628854-6350-4817-80B0-234739B546CE}"/>
+    <dgm:cxn modelId="{EED22DCC-F197-4102-A967-647FF582CCEB}" type="presOf" srcId="{3DC1FC9A-0451-4FDB-BA50-3881AA75D7EF}" destId="{564E927F-A1A9-4CEC-8D6B-3FD06986EA1C}" srcOrd="0" destOrd="0" presId="urn:microsoft.com/office/officeart/2005/8/layout/list1"/>
+    <dgm:cxn modelId="{82F9DCD2-1FDF-474B-88EB-77127FA6D38B}" type="presOf" srcId="{6872461C-A4B0-4C40-87B3-BF794C39E716}" destId="{255D4C0C-57C4-4205-B6F8-3F827BC5F6EB}" srcOrd="0" destOrd="0" presId="urn:microsoft.com/office/officeart/2005/8/layout/list1"/>
+    <dgm:cxn modelId="{A45132DC-0453-44A9-8660-F4AF5239BA2F}" type="presOf" srcId="{A65BB6DB-812B-47CB-B0AB-E7D56E367A1A}" destId="{E9030B32-9275-4D79-95AC-FFDB67465AA8}" srcOrd="0" destOrd="0" presId="urn:microsoft.com/office/officeart/2005/8/layout/list1"/>
+    <dgm:cxn modelId="{54644EA1-9171-4893-B6D3-114F4746AFB5}" type="presParOf" srcId="{255D4C0C-57C4-4205-B6F8-3F827BC5F6EB}" destId="{70DEB6FA-4DE7-4833-B05F-7401D052C3E9}" srcOrd="0" destOrd="0" presId="urn:microsoft.com/office/officeart/2005/8/layout/list1"/>
+    <dgm:cxn modelId="{5DD98FB8-2D88-4657-B05E-49B250774402}" type="presParOf" srcId="{70DEB6FA-4DE7-4833-B05F-7401D052C3E9}" destId="{A62A1622-5A9C-4518-891C-7367CC1EE50F}" srcOrd="0" destOrd="0" presId="urn:microsoft.com/office/officeart/2005/8/layout/list1"/>
+    <dgm:cxn modelId="{E3F1A134-CE22-459E-9FE4-28DF89C9C0FA}" type="presParOf" srcId="{70DEB6FA-4DE7-4833-B05F-7401D052C3E9}" destId="{93E19A59-E699-4C7E-8A3B-936CDD649607}" srcOrd="1" destOrd="0" presId="urn:microsoft.com/office/officeart/2005/8/layout/list1"/>
+    <dgm:cxn modelId="{E772AEFB-5BDA-4DAB-9BEC-00A473F1945E}" type="presParOf" srcId="{255D4C0C-57C4-4205-B6F8-3F827BC5F6EB}" destId="{D80E3B77-AF9A-4F14-8CB0-6E1EAB041B33}" srcOrd="1" destOrd="0" presId="urn:microsoft.com/office/officeart/2005/8/layout/list1"/>
+    <dgm:cxn modelId="{7A0FDE59-F842-40C8-AB54-B9EC45154811}" type="presParOf" srcId="{255D4C0C-57C4-4205-B6F8-3F827BC5F6EB}" destId="{2BB1E7F2-FB62-4C19-8118-476551990381}" srcOrd="2" destOrd="0" presId="urn:microsoft.com/office/officeart/2005/8/layout/list1"/>
+    <dgm:cxn modelId="{B89CC3E2-2AD4-4FD8-99A2-E6F107F910BF}" type="presParOf" srcId="{255D4C0C-57C4-4205-B6F8-3F827BC5F6EB}" destId="{93292F00-A9A6-4428-9076-82910FF05E55}" srcOrd="3" destOrd="0" presId="urn:microsoft.com/office/officeart/2005/8/layout/list1"/>
+    <dgm:cxn modelId="{B9F69063-EADA-473C-AC9B-B354332F8B51}" type="presParOf" srcId="{255D4C0C-57C4-4205-B6F8-3F827BC5F6EB}" destId="{FA168690-45C7-4E12-A37F-7C24621585A4}" srcOrd="4" destOrd="0" presId="urn:microsoft.com/office/officeart/2005/8/layout/list1"/>
+    <dgm:cxn modelId="{E3A87961-9C34-48DA-967D-C941DEE48C87}" type="presParOf" srcId="{FA168690-45C7-4E12-A37F-7C24621585A4}" destId="{F3B4E635-403F-46A0-85B0-6C890FA2BFB0}" srcOrd="0" destOrd="0" presId="urn:microsoft.com/office/officeart/2005/8/layout/list1"/>
+    <dgm:cxn modelId="{E3B7CED7-85B3-4C11-B0AC-4C832823126C}" type="presParOf" srcId="{FA168690-45C7-4E12-A37F-7C24621585A4}" destId="{D80AEED4-1408-4E37-A6B2-28D13AD1FF88}" srcOrd="1" destOrd="0" presId="urn:microsoft.com/office/officeart/2005/8/layout/list1"/>
+    <dgm:cxn modelId="{84E1B589-8344-48D8-A850-5A15E1F8AFC2}" type="presParOf" srcId="{255D4C0C-57C4-4205-B6F8-3F827BC5F6EB}" destId="{6DE9F115-2502-4ACF-9FDF-F4546281ACD2}" srcOrd="5" destOrd="0" presId="urn:microsoft.com/office/officeart/2005/8/layout/list1"/>
+    <dgm:cxn modelId="{DB693662-E59C-4EAC-9665-F82AA57A76EB}" type="presParOf" srcId="{255D4C0C-57C4-4205-B6F8-3F827BC5F6EB}" destId="{06C4E697-43C8-4760-87F4-9CF1B0D07447}" srcOrd="6" destOrd="0" presId="urn:microsoft.com/office/officeart/2005/8/layout/list1"/>
+    <dgm:cxn modelId="{FBD0E7F2-C568-4307-8E08-53016E3F2CE2}" type="presParOf" srcId="{255D4C0C-57C4-4205-B6F8-3F827BC5F6EB}" destId="{7E42E55F-BD04-4997-A965-02EB725BFE3A}" srcOrd="7" destOrd="0" presId="urn:microsoft.com/office/officeart/2005/8/layout/list1"/>
+    <dgm:cxn modelId="{8C1B10E7-2A29-4719-A625-B118C6F443C1}" type="presParOf" srcId="{255D4C0C-57C4-4205-B6F8-3F827BC5F6EB}" destId="{6D7F08A1-66E2-45F3-9B36-20C18F4C4538}" srcOrd="8" destOrd="0" presId="urn:microsoft.com/office/officeart/2005/8/layout/list1"/>
+    <dgm:cxn modelId="{D5118F37-3FAA-4801-B5E1-7F259D89293E}" type="presParOf" srcId="{6D7F08A1-66E2-45F3-9B36-20C18F4C4538}" destId="{564E927F-A1A9-4CEC-8D6B-3FD06986EA1C}" srcOrd="0" destOrd="0" presId="urn:microsoft.com/office/officeart/2005/8/layout/list1"/>
+    <dgm:cxn modelId="{A8CBDA2D-3E14-42D0-8AFB-98DBF2ECC55E}" type="presParOf" srcId="{6D7F08A1-66E2-45F3-9B36-20C18F4C4538}" destId="{28EF42DA-9B6F-4B0E-9592-73830B574544}" srcOrd="1" destOrd="0" presId="urn:microsoft.com/office/officeart/2005/8/layout/list1"/>
+    <dgm:cxn modelId="{40985027-BDD7-4324-A883-8F839693B277}" type="presParOf" srcId="{255D4C0C-57C4-4205-B6F8-3F827BC5F6EB}" destId="{D7FB0292-270B-40D5-B674-94EE4A4F84B1}" srcOrd="9" destOrd="0" presId="urn:microsoft.com/office/officeart/2005/8/layout/list1"/>
+    <dgm:cxn modelId="{173470AE-6021-4A71-A5D2-530B1DEC469D}" type="presParOf" srcId="{255D4C0C-57C4-4205-B6F8-3F827BC5F6EB}" destId="{A3A508B2-05A8-4D3E-A08E-63FD1589304D}" srcOrd="10" destOrd="0" presId="urn:microsoft.com/office/officeart/2005/8/layout/list1"/>
+    <dgm:cxn modelId="{9A8DE010-FC72-4FDB-99E7-89C2E4DEA272}" type="presParOf" srcId="{255D4C0C-57C4-4205-B6F8-3F827BC5F6EB}" destId="{00067C3D-4AE7-432F-98A4-CD6D63C01620}" srcOrd="11" destOrd="0" presId="urn:microsoft.com/office/officeart/2005/8/layout/list1"/>
+    <dgm:cxn modelId="{D57CDEC7-0435-4202-8C30-954918FCC579}" type="presParOf" srcId="{255D4C0C-57C4-4205-B6F8-3F827BC5F6EB}" destId="{F4731BFB-D648-481A-9094-2E538BA500AD}" srcOrd="12" destOrd="0" presId="urn:microsoft.com/office/officeart/2005/8/layout/list1"/>
+    <dgm:cxn modelId="{5EFCCFEB-FF60-4123-9548-B09CBC2ECF07}" type="presParOf" srcId="{F4731BFB-D648-481A-9094-2E538BA500AD}" destId="{E9030B32-9275-4D79-95AC-FFDB67465AA8}" srcOrd="0" destOrd="0" presId="urn:microsoft.com/office/officeart/2005/8/layout/list1"/>
+    <dgm:cxn modelId="{E67D75BE-14AA-447D-BA3E-656FD6D32DD2}" type="presParOf" srcId="{F4731BFB-D648-481A-9094-2E538BA500AD}" destId="{E656A47D-0270-4323-8CD7-2D394D973D0B}" srcOrd="1" destOrd="0" presId="urn:microsoft.com/office/officeart/2005/8/layout/list1"/>
+    <dgm:cxn modelId="{6FD39F68-106E-4139-9BFD-234DF6E6C890}" type="presParOf" srcId="{255D4C0C-57C4-4205-B6F8-3F827BC5F6EB}" destId="{955BF47F-3CE9-4485-9BD8-510B391CC503}" srcOrd="13" destOrd="0" presId="urn:microsoft.com/office/officeart/2005/8/layout/list1"/>
+    <dgm:cxn modelId="{0623E1DD-EA99-46B8-85A5-E62AF26ABC15}" type="presParOf" srcId="{255D4C0C-57C4-4205-B6F8-3F827BC5F6EB}" destId="{457CB27A-D91C-4811-8A87-611DBEF1DC66}" srcOrd="14" destOrd="0" presId="urn:microsoft.com/office/officeart/2005/8/layout/list1"/>
   </dgm:cxnLst>
   <dgm:bg/>
   <dgm:whole/>
@@ -1720,6 +2817,574 @@
         </a:effectRef>
         <a:fontRef idx="minor"/>
       </dsp:style>
+    </dsp:sp>
+  </dsp:spTree>
+</dsp:drawing>
+</file>
+
+<file path=ppt/diagrams/drawing2.xml><?xml version="1.0" encoding="utf-8"?>
+<dsp:drawing xmlns:dgm="http://schemas.openxmlformats.org/drawingml/2006/diagram" xmlns:dsp="http://schemas.microsoft.com/office/drawing/2008/diagram" xmlns:a="http://schemas.openxmlformats.org/drawingml/2006/main">
+  <dsp:spTree>
+    <dsp:nvGrpSpPr>
+      <dsp:cNvPr id="0" name=""/>
+      <dsp:cNvGrpSpPr/>
+    </dsp:nvGrpSpPr>
+    <dsp:grpSpPr/>
+    <dsp:sp modelId="{2BB1E7F2-FB62-4C19-8118-476551990381}">
+      <dsp:nvSpPr>
+        <dsp:cNvPr id="0" name=""/>
+        <dsp:cNvSpPr/>
+      </dsp:nvSpPr>
+      <dsp:spPr>
+        <a:xfrm>
+          <a:off x="0" y="468719"/>
+          <a:ext cx="9360000" cy="705600"/>
+        </a:xfrm>
+        <a:prstGeom prst="rect">
+          <a:avLst/>
+        </a:prstGeom>
+        <a:solidFill>
+          <a:schemeClr val="lt1">
+            <a:alpha val="90000"/>
+            <a:hueOff val="0"/>
+            <a:satOff val="0"/>
+            <a:lumOff val="0"/>
+            <a:alphaOff val="0"/>
+          </a:schemeClr>
+        </a:solidFill>
+        <a:ln>
+          <a:noFill/>
+        </a:ln>
+        <a:effectLst/>
+        <a:scene3d>
+          <a:camera prst="orthographicFront">
+            <a:rot lat="0" lon="0" rev="0"/>
+          </a:camera>
+          <a:lightRig rig="contrasting" dir="t">
+            <a:rot lat="0" lon="0" rev="1200000"/>
+          </a:lightRig>
+        </a:scene3d>
+        <a:sp3d z="300000" contourW="19050" prstMaterial="metal">
+          <a:bevelT w="88900" h="203200"/>
+          <a:bevelB w="165100" h="254000"/>
+        </a:sp3d>
+      </dsp:spPr>
+      <dsp:style>
+        <a:lnRef idx="0">
+          <a:scrgbClr r="0" g="0" b="0"/>
+        </a:lnRef>
+        <a:fillRef idx="1">
+          <a:scrgbClr r="0" g="0" b="0"/>
+        </a:fillRef>
+        <a:effectRef idx="0">
+          <a:scrgbClr r="0" g="0" b="0"/>
+        </a:effectRef>
+        <a:fontRef idx="minor"/>
+      </dsp:style>
+    </dsp:sp>
+    <dsp:sp modelId="{93E19A59-E699-4C7E-8A3B-936CDD649607}">
+      <dsp:nvSpPr>
+        <dsp:cNvPr id="0" name=""/>
+        <dsp:cNvSpPr/>
+      </dsp:nvSpPr>
+      <dsp:spPr>
+        <a:xfrm>
+          <a:off x="468000" y="55439"/>
+          <a:ext cx="7897977" cy="826560"/>
+        </a:xfrm>
+        <a:prstGeom prst="roundRect">
+          <a:avLst/>
+        </a:prstGeom>
+        <a:solidFill>
+          <a:schemeClr val="accent5">
+            <a:hueOff val="0"/>
+            <a:satOff val="0"/>
+            <a:lumOff val="0"/>
+            <a:alphaOff val="0"/>
+          </a:schemeClr>
+        </a:solidFill>
+        <a:ln>
+          <a:noFill/>
+        </a:ln>
+        <a:effectLst>
+          <a:outerShdw blurRad="40000" dist="23000" dir="5400000" rotWithShape="0">
+            <a:srgbClr val="000000">
+              <a:alpha val="35000"/>
+            </a:srgbClr>
+          </a:outerShdw>
+        </a:effectLst>
+        <a:scene3d>
+          <a:camera prst="orthographicFront">
+            <a:rot lat="0" lon="0" rev="0"/>
+          </a:camera>
+          <a:lightRig rig="contrasting" dir="t">
+            <a:rot lat="0" lon="0" rev="1200000"/>
+          </a:lightRig>
+        </a:scene3d>
+        <a:sp3d contourW="19050" prstMaterial="metal">
+          <a:bevelT w="88900" h="203200"/>
+          <a:bevelB w="165100" h="254000"/>
+        </a:sp3d>
+      </dsp:spPr>
+      <dsp:style>
+        <a:lnRef idx="0">
+          <a:scrgbClr r="0" g="0" b="0"/>
+        </a:lnRef>
+        <a:fillRef idx="1">
+          <a:scrgbClr r="0" g="0" b="0"/>
+        </a:fillRef>
+        <a:effectRef idx="2">
+          <a:scrgbClr r="0" g="0" b="0"/>
+        </a:effectRef>
+        <a:fontRef idx="minor">
+          <a:schemeClr val="lt1"/>
+        </a:fontRef>
+      </dsp:style>
+      <dsp:txBody>
+        <a:bodyPr spcFirstLastPara="0" vert="horz" wrap="square" lIns="247650" tIns="0" rIns="247650" bIns="0" numCol="1" spcCol="1270" anchor="ctr" anchorCtr="0">
+          <a:noAutofit/>
+        </a:bodyPr>
+        <a:lstStyle/>
+        <a:p>
+          <a:pPr marL="0" lvl="0" indent="0" algn="l" defTabSz="889000">
+            <a:lnSpc>
+              <a:spcPct val="90000"/>
+            </a:lnSpc>
+            <a:spcBef>
+              <a:spcPct val="0"/>
+            </a:spcBef>
+            <a:spcAft>
+              <a:spcPct val="35000"/>
+            </a:spcAft>
+            <a:buNone/>
+          </a:pPr>
+          <a:r>
+            <a:rPr lang="en-US" sz="2000" b="0" kern="1200" dirty="0"/>
+            <a:t>People lose money daily because shops don’t usually have change and it ends up on people losing small change everywhere.</a:t>
+          </a:r>
+        </a:p>
+      </dsp:txBody>
+      <dsp:txXfrm>
+        <a:off x="508349" y="95788"/>
+        <a:ext cx="7817279" cy="745862"/>
+      </dsp:txXfrm>
+    </dsp:sp>
+    <dsp:sp modelId="{06C4E697-43C8-4760-87F4-9CF1B0D07447}">
+      <dsp:nvSpPr>
+        <dsp:cNvPr id="0" name=""/>
+        <dsp:cNvSpPr/>
+      </dsp:nvSpPr>
+      <dsp:spPr>
+        <a:xfrm>
+          <a:off x="0" y="1738800"/>
+          <a:ext cx="9360000" cy="705600"/>
+        </a:xfrm>
+        <a:prstGeom prst="rect">
+          <a:avLst/>
+        </a:prstGeom>
+        <a:solidFill>
+          <a:schemeClr val="lt1">
+            <a:alpha val="90000"/>
+            <a:hueOff val="0"/>
+            <a:satOff val="0"/>
+            <a:lumOff val="0"/>
+            <a:alphaOff val="0"/>
+          </a:schemeClr>
+        </a:solidFill>
+        <a:ln>
+          <a:noFill/>
+        </a:ln>
+        <a:effectLst/>
+        <a:scene3d>
+          <a:camera prst="orthographicFront">
+            <a:rot lat="0" lon="0" rev="0"/>
+          </a:camera>
+          <a:lightRig rig="contrasting" dir="t">
+            <a:rot lat="0" lon="0" rev="1200000"/>
+          </a:lightRig>
+        </a:scene3d>
+        <a:sp3d z="300000" contourW="19050" prstMaterial="metal">
+          <a:bevelT w="88900" h="203200"/>
+          <a:bevelB w="165100" h="254000"/>
+        </a:sp3d>
+      </dsp:spPr>
+      <dsp:style>
+        <a:lnRef idx="0">
+          <a:scrgbClr r="0" g="0" b="0"/>
+        </a:lnRef>
+        <a:fillRef idx="1">
+          <a:scrgbClr r="0" g="0" b="0"/>
+        </a:fillRef>
+        <a:effectRef idx="0">
+          <a:scrgbClr r="0" g="0" b="0"/>
+        </a:effectRef>
+        <a:fontRef idx="minor"/>
+      </dsp:style>
+    </dsp:sp>
+    <dsp:sp modelId="{D80AEED4-1408-4E37-A6B2-28D13AD1FF88}">
+      <dsp:nvSpPr>
+        <dsp:cNvPr id="0" name=""/>
+        <dsp:cNvSpPr/>
+      </dsp:nvSpPr>
+      <dsp:spPr>
+        <a:xfrm>
+          <a:off x="468000" y="1325519"/>
+          <a:ext cx="7960221" cy="826560"/>
+        </a:xfrm>
+        <a:prstGeom prst="roundRect">
+          <a:avLst/>
+        </a:prstGeom>
+        <a:solidFill>
+          <a:schemeClr val="accent5">
+            <a:hueOff val="0"/>
+            <a:satOff val="0"/>
+            <a:lumOff val="0"/>
+            <a:alphaOff val="0"/>
+          </a:schemeClr>
+        </a:solidFill>
+        <a:ln>
+          <a:noFill/>
+        </a:ln>
+        <a:effectLst>
+          <a:outerShdw blurRad="40000" dist="23000" dir="5400000" rotWithShape="0">
+            <a:srgbClr val="000000">
+              <a:alpha val="35000"/>
+            </a:srgbClr>
+          </a:outerShdw>
+        </a:effectLst>
+        <a:scene3d>
+          <a:camera prst="orthographicFront">
+            <a:rot lat="0" lon="0" rev="0"/>
+          </a:camera>
+          <a:lightRig rig="contrasting" dir="t">
+            <a:rot lat="0" lon="0" rev="1200000"/>
+          </a:lightRig>
+        </a:scene3d>
+        <a:sp3d contourW="19050" prstMaterial="metal">
+          <a:bevelT w="88900" h="203200"/>
+          <a:bevelB w="165100" h="254000"/>
+        </a:sp3d>
+      </dsp:spPr>
+      <dsp:style>
+        <a:lnRef idx="0">
+          <a:scrgbClr r="0" g="0" b="0"/>
+        </a:lnRef>
+        <a:fillRef idx="1">
+          <a:scrgbClr r="0" g="0" b="0"/>
+        </a:fillRef>
+        <a:effectRef idx="2">
+          <a:scrgbClr r="0" g="0" b="0"/>
+        </a:effectRef>
+        <a:fontRef idx="minor">
+          <a:schemeClr val="lt1"/>
+        </a:fontRef>
+      </dsp:style>
+      <dsp:txBody>
+        <a:bodyPr spcFirstLastPara="0" vert="horz" wrap="square" lIns="247650" tIns="0" rIns="247650" bIns="0" numCol="1" spcCol="1270" anchor="ctr" anchorCtr="0">
+          <a:noAutofit/>
+        </a:bodyPr>
+        <a:lstStyle/>
+        <a:p>
+          <a:pPr marL="0" lvl="0" indent="0" algn="l" defTabSz="889000">
+            <a:lnSpc>
+              <a:spcPct val="90000"/>
+            </a:lnSpc>
+            <a:spcBef>
+              <a:spcPct val="0"/>
+            </a:spcBef>
+            <a:spcAft>
+              <a:spcPct val="35000"/>
+            </a:spcAft>
+            <a:buNone/>
+          </a:pPr>
+          <a:r>
+            <a:rPr lang="en-US" sz="2000" kern="1200" dirty="0"/>
+            <a:t>Though this may be considered the "old-fashioned way" when it comes to transferring money, using cash can be extremely practical in some circumstances. </a:t>
+          </a:r>
+        </a:p>
+      </dsp:txBody>
+      <dsp:txXfrm>
+        <a:off x="508349" y="1365868"/>
+        <a:ext cx="7879523" cy="745862"/>
+      </dsp:txXfrm>
+    </dsp:sp>
+    <dsp:sp modelId="{A3A508B2-05A8-4D3E-A08E-63FD1589304D}">
+      <dsp:nvSpPr>
+        <dsp:cNvPr id="0" name=""/>
+        <dsp:cNvSpPr/>
+      </dsp:nvSpPr>
+      <dsp:spPr>
+        <a:xfrm>
+          <a:off x="0" y="3008880"/>
+          <a:ext cx="9360000" cy="705600"/>
+        </a:xfrm>
+        <a:prstGeom prst="rect">
+          <a:avLst/>
+        </a:prstGeom>
+        <a:solidFill>
+          <a:schemeClr val="lt1">
+            <a:alpha val="90000"/>
+            <a:hueOff val="0"/>
+            <a:satOff val="0"/>
+            <a:lumOff val="0"/>
+            <a:alphaOff val="0"/>
+          </a:schemeClr>
+        </a:solidFill>
+        <a:ln>
+          <a:noFill/>
+        </a:ln>
+        <a:effectLst/>
+        <a:scene3d>
+          <a:camera prst="orthographicFront">
+            <a:rot lat="0" lon="0" rev="0"/>
+          </a:camera>
+          <a:lightRig rig="contrasting" dir="t">
+            <a:rot lat="0" lon="0" rev="1200000"/>
+          </a:lightRig>
+        </a:scene3d>
+        <a:sp3d z="300000" contourW="19050" prstMaterial="metal">
+          <a:bevelT w="88900" h="203200"/>
+          <a:bevelB w="165100" h="254000"/>
+        </a:sp3d>
+      </dsp:spPr>
+      <dsp:style>
+        <a:lnRef idx="0">
+          <a:scrgbClr r="0" g="0" b="0"/>
+        </a:lnRef>
+        <a:fillRef idx="1">
+          <a:scrgbClr r="0" g="0" b="0"/>
+        </a:fillRef>
+        <a:effectRef idx="0">
+          <a:scrgbClr r="0" g="0" b="0"/>
+        </a:effectRef>
+        <a:fontRef idx="minor"/>
+      </dsp:style>
+    </dsp:sp>
+    <dsp:sp modelId="{28EF42DA-9B6F-4B0E-9592-73830B574544}">
+      <dsp:nvSpPr>
+        <dsp:cNvPr id="0" name=""/>
+        <dsp:cNvSpPr/>
+      </dsp:nvSpPr>
+      <dsp:spPr>
+        <a:xfrm>
+          <a:off x="468000" y="2595600"/>
+          <a:ext cx="8027510" cy="826560"/>
+        </a:xfrm>
+        <a:prstGeom prst="roundRect">
+          <a:avLst/>
+        </a:prstGeom>
+        <a:solidFill>
+          <a:schemeClr val="accent5">
+            <a:hueOff val="0"/>
+            <a:satOff val="0"/>
+            <a:lumOff val="0"/>
+            <a:alphaOff val="0"/>
+          </a:schemeClr>
+        </a:solidFill>
+        <a:ln>
+          <a:noFill/>
+        </a:ln>
+        <a:effectLst>
+          <a:outerShdw blurRad="40000" dist="23000" dir="5400000" rotWithShape="0">
+            <a:srgbClr val="000000">
+              <a:alpha val="35000"/>
+            </a:srgbClr>
+          </a:outerShdw>
+        </a:effectLst>
+        <a:scene3d>
+          <a:camera prst="orthographicFront">
+            <a:rot lat="0" lon="0" rev="0"/>
+          </a:camera>
+          <a:lightRig rig="contrasting" dir="t">
+            <a:rot lat="0" lon="0" rev="1200000"/>
+          </a:lightRig>
+        </a:scene3d>
+        <a:sp3d contourW="19050" prstMaterial="metal">
+          <a:bevelT w="88900" h="203200"/>
+          <a:bevelB w="165100" h="254000"/>
+        </a:sp3d>
+      </dsp:spPr>
+      <dsp:style>
+        <a:lnRef idx="0">
+          <a:scrgbClr r="0" g="0" b="0"/>
+        </a:lnRef>
+        <a:fillRef idx="1">
+          <a:scrgbClr r="0" g="0" b="0"/>
+        </a:fillRef>
+        <a:effectRef idx="2">
+          <a:scrgbClr r="0" g="0" b="0"/>
+        </a:effectRef>
+        <a:fontRef idx="minor">
+          <a:schemeClr val="lt1"/>
+        </a:fontRef>
+      </dsp:style>
+      <dsp:txBody>
+        <a:bodyPr spcFirstLastPara="0" vert="horz" wrap="square" lIns="247650" tIns="0" rIns="247650" bIns="0" numCol="1" spcCol="1270" anchor="ctr" anchorCtr="0">
+          <a:noAutofit/>
+        </a:bodyPr>
+        <a:lstStyle/>
+        <a:p>
+          <a:pPr marL="0" lvl="0" indent="0" algn="l" defTabSz="889000">
+            <a:lnSpc>
+              <a:spcPct val="90000"/>
+            </a:lnSpc>
+            <a:spcBef>
+              <a:spcPct val="0"/>
+            </a:spcBef>
+            <a:spcAft>
+              <a:spcPct val="35000"/>
+            </a:spcAft>
+            <a:buNone/>
+          </a:pPr>
+          <a:r>
+            <a:rPr lang="en-US" sz="2000" b="0" kern="1200" dirty="0"/>
+            <a:t>Sometimes its hard getting the remaining money in cash which is really annoying.</a:t>
+          </a:r>
+        </a:p>
+      </dsp:txBody>
+      <dsp:txXfrm>
+        <a:off x="508349" y="2635949"/>
+        <a:ext cx="7946812" cy="745862"/>
+      </dsp:txXfrm>
+    </dsp:sp>
+    <dsp:sp modelId="{457CB27A-D91C-4811-8A87-611DBEF1DC66}">
+      <dsp:nvSpPr>
+        <dsp:cNvPr id="0" name=""/>
+        <dsp:cNvSpPr/>
+      </dsp:nvSpPr>
+      <dsp:spPr>
+        <a:xfrm>
+          <a:off x="0" y="4278960"/>
+          <a:ext cx="9360000" cy="705600"/>
+        </a:xfrm>
+        <a:prstGeom prst="rect">
+          <a:avLst/>
+        </a:prstGeom>
+        <a:solidFill>
+          <a:schemeClr val="lt1">
+            <a:alpha val="90000"/>
+            <a:hueOff val="0"/>
+            <a:satOff val="0"/>
+            <a:lumOff val="0"/>
+            <a:alphaOff val="0"/>
+          </a:schemeClr>
+        </a:solidFill>
+        <a:ln>
+          <a:noFill/>
+        </a:ln>
+        <a:effectLst/>
+        <a:scene3d>
+          <a:camera prst="orthographicFront">
+            <a:rot lat="0" lon="0" rev="0"/>
+          </a:camera>
+          <a:lightRig rig="contrasting" dir="t">
+            <a:rot lat="0" lon="0" rev="1200000"/>
+          </a:lightRig>
+        </a:scene3d>
+        <a:sp3d z="300000" contourW="19050" prstMaterial="metal">
+          <a:bevelT w="88900" h="203200"/>
+          <a:bevelB w="165100" h="254000"/>
+        </a:sp3d>
+      </dsp:spPr>
+      <dsp:style>
+        <a:lnRef idx="0">
+          <a:scrgbClr r="0" g="0" b="0"/>
+        </a:lnRef>
+        <a:fillRef idx="1">
+          <a:scrgbClr r="0" g="0" b="0"/>
+        </a:fillRef>
+        <a:effectRef idx="0">
+          <a:scrgbClr r="0" g="0" b="0"/>
+        </a:effectRef>
+        <a:fontRef idx="minor"/>
+      </dsp:style>
+    </dsp:sp>
+    <dsp:sp modelId="{E656A47D-0270-4323-8CD7-2D394D973D0B}">
+      <dsp:nvSpPr>
+        <dsp:cNvPr id="0" name=""/>
+        <dsp:cNvSpPr/>
+      </dsp:nvSpPr>
+      <dsp:spPr>
+        <a:xfrm>
+          <a:off x="468000" y="3865680"/>
+          <a:ext cx="8105741" cy="826560"/>
+        </a:xfrm>
+        <a:prstGeom prst="roundRect">
+          <a:avLst/>
+        </a:prstGeom>
+        <a:solidFill>
+          <a:schemeClr val="accent5">
+            <a:hueOff val="0"/>
+            <a:satOff val="0"/>
+            <a:lumOff val="0"/>
+            <a:alphaOff val="0"/>
+          </a:schemeClr>
+        </a:solidFill>
+        <a:ln>
+          <a:noFill/>
+        </a:ln>
+        <a:effectLst>
+          <a:outerShdw blurRad="40000" dist="23000" dir="5400000" rotWithShape="0">
+            <a:srgbClr val="000000">
+              <a:alpha val="35000"/>
+            </a:srgbClr>
+          </a:outerShdw>
+        </a:effectLst>
+        <a:scene3d>
+          <a:camera prst="orthographicFront">
+            <a:rot lat="0" lon="0" rev="0"/>
+          </a:camera>
+          <a:lightRig rig="contrasting" dir="t">
+            <a:rot lat="0" lon="0" rev="1200000"/>
+          </a:lightRig>
+        </a:scene3d>
+        <a:sp3d contourW="19050" prstMaterial="metal">
+          <a:bevelT w="88900" h="203200"/>
+          <a:bevelB w="165100" h="254000"/>
+        </a:sp3d>
+      </dsp:spPr>
+      <dsp:style>
+        <a:lnRef idx="0">
+          <a:scrgbClr r="0" g="0" b="0"/>
+        </a:lnRef>
+        <a:fillRef idx="1">
+          <a:scrgbClr r="0" g="0" b="0"/>
+        </a:fillRef>
+        <a:effectRef idx="2">
+          <a:scrgbClr r="0" g="0" b="0"/>
+        </a:effectRef>
+        <a:fontRef idx="minor">
+          <a:schemeClr val="lt1"/>
+        </a:fontRef>
+      </dsp:style>
+      <dsp:txBody>
+        <a:bodyPr spcFirstLastPara="0" vert="horz" wrap="square" lIns="247650" tIns="0" rIns="247650" bIns="0" numCol="1" spcCol="1270" anchor="ctr" anchorCtr="0">
+          <a:noAutofit/>
+        </a:bodyPr>
+        <a:lstStyle/>
+        <a:p>
+          <a:pPr marL="0" lvl="0" indent="0" algn="l" defTabSz="889000">
+            <a:lnSpc>
+              <a:spcPct val="90000"/>
+            </a:lnSpc>
+            <a:spcBef>
+              <a:spcPct val="0"/>
+            </a:spcBef>
+            <a:spcAft>
+              <a:spcPct val="35000"/>
+            </a:spcAft>
+            <a:buNone/>
+          </a:pPr>
+          <a:r>
+            <a:rPr lang="en-US" sz="2000" b="0" kern="1200" dirty="0"/>
+            <a:t>A lot of people don’t like to carry a lot of money with them because they are exposed to stolen.   </a:t>
+          </a:r>
+        </a:p>
+      </dsp:txBody>
+      <dsp:txXfrm>
+        <a:off x="508349" y="3906029"/>
+        <a:ext cx="8025043" cy="745862"/>
+      </dsp:txXfrm>
     </dsp:sp>
   </dsp:spTree>
 </dsp:drawing>
@@ -3003,6 +4668,231 @@
 </dgm:layoutDef>
 </file>
 
+<file path=ppt/diagrams/layout2.xml><?xml version="1.0" encoding="utf-8"?>
+<dgm:layoutDef xmlns:dgm="http://schemas.openxmlformats.org/drawingml/2006/diagram" xmlns:a="http://schemas.openxmlformats.org/drawingml/2006/main" uniqueId="urn:microsoft.com/office/officeart/2005/8/layout/list1">
+  <dgm:title val=""/>
+  <dgm:desc val=""/>
+  <dgm:catLst>
+    <dgm:cat type="list" pri="4000"/>
+  </dgm:catLst>
+  <dgm:sampData>
+    <dgm:dataModel>
+      <dgm:ptLst>
+        <dgm:pt modelId="0" type="doc"/>
+        <dgm:pt modelId="1">
+          <dgm:prSet phldr="1"/>
+        </dgm:pt>
+        <dgm:pt modelId="2">
+          <dgm:prSet phldr="1"/>
+        </dgm:pt>
+        <dgm:pt modelId="3">
+          <dgm:prSet phldr="1"/>
+        </dgm:pt>
+      </dgm:ptLst>
+      <dgm:cxnLst>
+        <dgm:cxn modelId="4" srcId="0" destId="1" srcOrd="0" destOrd="0"/>
+        <dgm:cxn modelId="5" srcId="0" destId="2" srcOrd="1" destOrd="0"/>
+        <dgm:cxn modelId="6" srcId="0" destId="3" srcOrd="2" destOrd="0"/>
+      </dgm:cxnLst>
+      <dgm:bg/>
+      <dgm:whole/>
+    </dgm:dataModel>
+  </dgm:sampData>
+  <dgm:styleData>
+    <dgm:dataModel>
+      <dgm:ptLst>
+        <dgm:pt modelId="0" type="doc"/>
+        <dgm:pt modelId="1"/>
+        <dgm:pt modelId="2"/>
+      </dgm:ptLst>
+      <dgm:cxnLst>
+        <dgm:cxn modelId="4" srcId="0" destId="1" srcOrd="0" destOrd="0"/>
+        <dgm:cxn modelId="5" srcId="0" destId="2" srcOrd="1" destOrd="0"/>
+      </dgm:cxnLst>
+      <dgm:bg/>
+      <dgm:whole/>
+    </dgm:dataModel>
+  </dgm:styleData>
+  <dgm:clrData>
+    <dgm:dataModel>
+      <dgm:ptLst>
+        <dgm:pt modelId="0" type="doc"/>
+        <dgm:pt modelId="1"/>
+        <dgm:pt modelId="2"/>
+        <dgm:pt modelId="3"/>
+        <dgm:pt modelId="4"/>
+      </dgm:ptLst>
+      <dgm:cxnLst>
+        <dgm:cxn modelId="5" srcId="0" destId="1" srcOrd="0" destOrd="0"/>
+        <dgm:cxn modelId="6" srcId="0" destId="2" srcOrd="1" destOrd="0"/>
+        <dgm:cxn modelId="7" srcId="0" destId="3" srcOrd="2" destOrd="0"/>
+        <dgm:cxn modelId="8" srcId="0" destId="4" srcOrd="3" destOrd="0"/>
+      </dgm:cxnLst>
+      <dgm:bg/>
+      <dgm:whole/>
+    </dgm:dataModel>
+  </dgm:clrData>
+  <dgm:layoutNode name="linear">
+    <dgm:varLst>
+      <dgm:dir/>
+      <dgm:animLvl val="lvl"/>
+      <dgm:resizeHandles val="exact"/>
+    </dgm:varLst>
+    <dgm:choose name="Name0">
+      <dgm:if name="Name1" func="var" arg="dir" op="equ" val="norm">
+        <dgm:alg type="lin">
+          <dgm:param type="linDir" val="fromT"/>
+          <dgm:param type="vertAlign" val="mid"/>
+          <dgm:param type="horzAlign" val="l"/>
+          <dgm:param type="nodeHorzAlign" val="l"/>
+        </dgm:alg>
+      </dgm:if>
+      <dgm:else name="Name2">
+        <dgm:alg type="lin">
+          <dgm:param type="linDir" val="fromT"/>
+          <dgm:param type="vertAlign" val="mid"/>
+          <dgm:param type="horzAlign" val="r"/>
+          <dgm:param type="nodeHorzAlign" val="r"/>
+        </dgm:alg>
+      </dgm:else>
+    </dgm:choose>
+    <dgm:shape xmlns:r="http://schemas.openxmlformats.org/officeDocument/2006/relationships" r:blip="">
+      <dgm:adjLst/>
+    </dgm:shape>
+    <dgm:presOf/>
+    <dgm:constrLst>
+      <dgm:constr type="w" for="ch" forName="parentLin" refType="w"/>
+      <dgm:constr type="h" for="ch" forName="parentLin" val="INF"/>
+      <dgm:constr type="w" for="des" forName="parentLeftMargin" refType="w" fact="0.05"/>
+      <dgm:constr type="w" for="des" forName="parentText" refType="w" fact="0.7"/>
+      <dgm:constr type="h" for="des" forName="parentText" refType="primFontSz" refFor="des" refForName="parentText" fact="0.82"/>
+      <dgm:constr type="h" for="ch" forName="negativeSpace" refType="primFontSz" refFor="des" refForName="parentText" fact="-0.41"/>
+      <dgm:constr type="h" for="ch" forName="negativeSpace" refType="h" refFor="des" refForName="parentText" op="lte" fact="-0.82"/>
+      <dgm:constr type="h" for="ch" forName="negativeSpace" refType="h" refFor="des" refForName="parentText" op="gte" fact="-0.82"/>
+      <dgm:constr type="w" for="ch" forName="childText" refType="w"/>
+      <dgm:constr type="h" for="ch" forName="childText" refType="primFontSz" refFor="des" refForName="parentText" fact="0.7"/>
+      <dgm:constr type="primFontSz" for="des" forName="parentText" val="65"/>
+      <dgm:constr type="primFontSz" for="ch" forName="childText" refType="primFontSz" refFor="des" refForName="parentText"/>
+      <dgm:constr type="tMarg" for="ch" forName="childText" refType="primFontSz" refFor="des" refForName="parentText" fact="1.64"/>
+      <dgm:constr type="tMarg" for="ch" forName="childText" refType="h" refFor="des" refForName="parentText" op="lte" fact="3.28"/>
+      <dgm:constr type="tMarg" for="ch" forName="childText" refType="h" refFor="des" refForName="parentText" op="gte" fact="3.28"/>
+      <dgm:constr type="lMarg" for="ch" forName="childText" refType="w" fact="0.22"/>
+      <dgm:constr type="rMarg" for="ch" forName="childText" refType="lMarg" refFor="ch" refForName="childText"/>
+      <dgm:constr type="lMarg" for="des" forName="parentText" refType="w" fact="0.075"/>
+      <dgm:constr type="rMarg" for="des" forName="parentText" refType="lMarg" refFor="des" refForName="parentText"/>
+      <dgm:constr type="h" for="ch" forName="spaceBetweenRectangles" refType="primFontSz" refFor="des" refForName="parentText" fact="0.15"/>
+    </dgm:constrLst>
+    <dgm:ruleLst>
+      <dgm:rule type="primFontSz" for="des" forName="parentText" val="5" fact="NaN" max="NaN"/>
+    </dgm:ruleLst>
+    <dgm:forEach name="Name3" axis="ch" ptType="node">
+      <dgm:layoutNode name="parentLin">
+        <dgm:choose name="Name4">
+          <dgm:if name="Name5" func="var" arg="dir" op="equ" val="norm">
+            <dgm:alg type="lin">
+              <dgm:param type="linDir" val="fromL"/>
+              <dgm:param type="horzAlign" val="l"/>
+              <dgm:param type="nodeHorzAlign" val="l"/>
+            </dgm:alg>
+          </dgm:if>
+          <dgm:else name="Name6">
+            <dgm:alg type="lin">
+              <dgm:param type="linDir" val="fromR"/>
+              <dgm:param type="horzAlign" val="r"/>
+              <dgm:param type="nodeHorzAlign" val="r"/>
+            </dgm:alg>
+          </dgm:else>
+        </dgm:choose>
+        <dgm:shape xmlns:r="http://schemas.openxmlformats.org/officeDocument/2006/relationships" r:blip="">
+          <dgm:adjLst/>
+        </dgm:shape>
+        <dgm:presOf/>
+        <dgm:constrLst/>
+        <dgm:ruleLst/>
+        <dgm:layoutNode name="parentLeftMargin">
+          <dgm:alg type="sp"/>
+          <dgm:shape xmlns:r="http://schemas.openxmlformats.org/officeDocument/2006/relationships" type="rect" r:blip="" hideGeom="1">
+            <dgm:adjLst/>
+          </dgm:shape>
+          <dgm:presOf axis="self"/>
+          <dgm:constrLst>
+            <dgm:constr type="h"/>
+          </dgm:constrLst>
+          <dgm:ruleLst/>
+        </dgm:layoutNode>
+        <dgm:layoutNode name="parentText" styleLbl="node1">
+          <dgm:varLst>
+            <dgm:chMax val="0"/>
+            <dgm:bulletEnabled val="1"/>
+          </dgm:varLst>
+          <dgm:choose name="Name7">
+            <dgm:if name="Name8" func="var" arg="dir" op="equ" val="norm">
+              <dgm:alg type="tx">
+                <dgm:param type="parTxLTRAlign" val="l"/>
+                <dgm:param type="parTxRTLAlign" val="l"/>
+              </dgm:alg>
+            </dgm:if>
+            <dgm:else name="Name9">
+              <dgm:alg type="tx">
+                <dgm:param type="parTxLTRAlign" val="r"/>
+                <dgm:param type="parTxRTLAlign" val="r"/>
+              </dgm:alg>
+            </dgm:else>
+          </dgm:choose>
+          <dgm:shape xmlns:r="http://schemas.openxmlformats.org/officeDocument/2006/relationships" type="roundRect" r:blip="">
+            <dgm:adjLst/>
+          </dgm:shape>
+          <dgm:presOf axis="self" ptType="node"/>
+          <dgm:constrLst>
+            <dgm:constr type="tMarg"/>
+            <dgm:constr type="bMarg"/>
+          </dgm:constrLst>
+          <dgm:ruleLst/>
+        </dgm:layoutNode>
+      </dgm:layoutNode>
+      <dgm:layoutNode name="negativeSpace">
+        <dgm:alg type="sp"/>
+        <dgm:shape xmlns:r="http://schemas.openxmlformats.org/officeDocument/2006/relationships" r:blip="">
+          <dgm:adjLst/>
+        </dgm:shape>
+        <dgm:presOf/>
+        <dgm:constrLst/>
+        <dgm:ruleLst/>
+      </dgm:layoutNode>
+      <dgm:layoutNode name="childText" styleLbl="conFgAcc1">
+        <dgm:varLst>
+          <dgm:bulletEnabled val="1"/>
+        </dgm:varLst>
+        <dgm:alg type="tx">
+          <dgm:param type="stBulletLvl" val="1"/>
+        </dgm:alg>
+        <dgm:shape xmlns:r="http://schemas.openxmlformats.org/officeDocument/2006/relationships" type="rect" r:blip="" zOrderOff="-2">
+          <dgm:adjLst/>
+        </dgm:shape>
+        <dgm:presOf axis="des" ptType="node"/>
+        <dgm:constrLst>
+          <dgm:constr type="secFontSz" refType="primFontSz"/>
+        </dgm:constrLst>
+        <dgm:ruleLst>
+          <dgm:rule type="h" val="INF" fact="NaN" max="NaN"/>
+        </dgm:ruleLst>
+      </dgm:layoutNode>
+      <dgm:forEach name="Name10" axis="followSib" ptType="sibTrans" cnt="1">
+        <dgm:layoutNode name="spaceBetweenRectangles">
+          <dgm:alg type="sp"/>
+          <dgm:shape xmlns:r="http://schemas.openxmlformats.org/officeDocument/2006/relationships" r:blip="">
+            <dgm:adjLst/>
+          </dgm:shape>
+          <dgm:presOf/>
+          <dgm:constrLst/>
+          <dgm:ruleLst/>
+        </dgm:layoutNode>
+      </dgm:forEach>
+    </dgm:forEach>
+  </dgm:layoutNode>
+</dgm:layoutDef>
+</file>
+
 <file path=ppt/diagrams/quickStyle1.xml><?xml version="1.0" encoding="utf-8"?>
 <dgm:styleDef xmlns:dgm="http://schemas.openxmlformats.org/drawingml/2006/diagram" xmlns:a="http://schemas.openxmlformats.org/drawingml/2006/main" uniqueId="urn:microsoft.com/office/officeart/2005/8/quickstyle/3d2">
   <dgm:title val=""/>
@@ -4251,6 +6141,1336 @@
     <dgm:txPr/>
     <dgm:style>
       <a:lnRef idx="0">
+        <a:scrgbClr r="0" g="0" b="0"/>
+      </a:lnRef>
+      <a:fillRef idx="0">
+        <a:scrgbClr r="0" g="0" b="0"/>
+      </a:fillRef>
+      <a:effectRef idx="0">
+        <a:scrgbClr r="0" g="0" b="0"/>
+      </a:effectRef>
+      <a:fontRef idx="minor"/>
+    </dgm:style>
+  </dgm:styleLbl>
+</dgm:styleDef>
+</file>
+
+<file path=ppt/diagrams/quickStyle2.xml><?xml version="1.0" encoding="utf-8"?>
+<dgm:styleDef xmlns:dgm="http://schemas.openxmlformats.org/drawingml/2006/diagram" xmlns:a="http://schemas.openxmlformats.org/drawingml/2006/main" uniqueId="urn:microsoft.com/office/officeart/2005/8/quickstyle/3d3">
+  <dgm:title val=""/>
+  <dgm:desc val=""/>
+  <dgm:catLst>
+    <dgm:cat type="3D" pri="11300"/>
+  </dgm:catLst>
+  <dgm:scene3d>
+    <a:camera prst="orthographicFront"/>
+    <a:lightRig rig="threePt" dir="t"/>
+  </dgm:scene3d>
+  <dgm:styleLbl name="node0">
+    <dgm:scene3d>
+      <a:camera prst="orthographicFront">
+        <a:rot lat="0" lon="0" rev="0"/>
+      </a:camera>
+      <a:lightRig rig="contrasting" dir="t">
+        <a:rot lat="0" lon="0" rev="1200000"/>
+      </a:lightRig>
+    </dgm:scene3d>
+    <dgm:sp3d contourW="19050" prstMaterial="metal">
+      <a:bevelT w="88900" h="203200"/>
+      <a:bevelB w="165100" h="254000"/>
+    </dgm:sp3d>
+    <dgm:txPr/>
+    <dgm:style>
+      <a:lnRef idx="0">
+        <a:scrgbClr r="0" g="0" b="0"/>
+      </a:lnRef>
+      <a:fillRef idx="1">
+        <a:scrgbClr r="0" g="0" b="0"/>
+      </a:fillRef>
+      <a:effectRef idx="1">
+        <a:scrgbClr r="0" g="0" b="0"/>
+      </a:effectRef>
+      <a:fontRef idx="minor">
+        <a:schemeClr val="lt1"/>
+      </a:fontRef>
+    </dgm:style>
+  </dgm:styleLbl>
+  <dgm:styleLbl name="lnNode1">
+    <dgm:scene3d>
+      <a:camera prst="orthographicFront">
+        <a:rot lat="0" lon="0" rev="0"/>
+      </a:camera>
+      <a:lightRig rig="contrasting" dir="t">
+        <a:rot lat="0" lon="0" rev="1200000"/>
+      </a:lightRig>
+    </dgm:scene3d>
+    <dgm:sp3d contourW="19050" prstMaterial="metal">
+      <a:bevelT w="88900" h="203200"/>
+      <a:bevelB w="165100" h="254000"/>
+    </dgm:sp3d>
+    <dgm:txPr/>
+    <dgm:style>
+      <a:lnRef idx="0">
+        <a:scrgbClr r="0" g="0" b="0"/>
+      </a:lnRef>
+      <a:fillRef idx="1">
+        <a:scrgbClr r="0" g="0" b="0"/>
+      </a:fillRef>
+      <a:effectRef idx="1">
+        <a:scrgbClr r="0" g="0" b="0"/>
+      </a:effectRef>
+      <a:fontRef idx="minor">
+        <a:schemeClr val="lt1"/>
+      </a:fontRef>
+    </dgm:style>
+  </dgm:styleLbl>
+  <dgm:styleLbl name="vennNode1">
+    <dgm:scene3d>
+      <a:camera prst="orthographicFront">
+        <a:rot lat="0" lon="0" rev="0"/>
+      </a:camera>
+      <a:lightRig rig="contrasting" dir="t">
+        <a:rot lat="0" lon="0" rev="1200000"/>
+      </a:lightRig>
+    </dgm:scene3d>
+    <dgm:sp3d contourW="12700" prstMaterial="clear">
+      <a:bevelT w="177800" h="254000"/>
+      <a:bevelB w="152400"/>
+    </dgm:sp3d>
+    <dgm:txPr/>
+    <dgm:style>
+      <a:lnRef idx="0">
+        <a:scrgbClr r="0" g="0" b="0"/>
+      </a:lnRef>
+      <a:fillRef idx="1">
+        <a:scrgbClr r="0" g="0" b="0"/>
+      </a:fillRef>
+      <a:effectRef idx="0">
+        <a:scrgbClr r="0" g="0" b="0"/>
+      </a:effectRef>
+      <a:fontRef idx="minor">
+        <a:schemeClr val="tx1"/>
+      </a:fontRef>
+    </dgm:style>
+  </dgm:styleLbl>
+  <dgm:styleLbl name="alignNode1">
+    <dgm:scene3d>
+      <a:camera prst="orthographicFront">
+        <a:rot lat="0" lon="0" rev="0"/>
+      </a:camera>
+      <a:lightRig rig="contrasting" dir="t">
+        <a:rot lat="0" lon="0" rev="1200000"/>
+      </a:lightRig>
+    </dgm:scene3d>
+    <dgm:sp3d contourW="19050" prstMaterial="metal">
+      <a:bevelT w="88900" h="203200"/>
+      <a:bevelB w="165100" h="254000"/>
+    </dgm:sp3d>
+    <dgm:txPr/>
+    <dgm:style>
+      <a:lnRef idx="0">
+        <a:scrgbClr r="0" g="0" b="0"/>
+      </a:lnRef>
+      <a:fillRef idx="1">
+        <a:scrgbClr r="0" g="0" b="0"/>
+      </a:fillRef>
+      <a:effectRef idx="2">
+        <a:scrgbClr r="0" g="0" b="0"/>
+      </a:effectRef>
+      <a:fontRef idx="minor">
+        <a:schemeClr val="lt1"/>
+      </a:fontRef>
+    </dgm:style>
+  </dgm:styleLbl>
+  <dgm:styleLbl name="node1">
+    <dgm:scene3d>
+      <a:camera prst="orthographicFront">
+        <a:rot lat="0" lon="0" rev="0"/>
+      </a:camera>
+      <a:lightRig rig="contrasting" dir="t">
+        <a:rot lat="0" lon="0" rev="1200000"/>
+      </a:lightRig>
+    </dgm:scene3d>
+    <dgm:sp3d contourW="19050" prstMaterial="metal">
+      <a:bevelT w="88900" h="203200"/>
+      <a:bevelB w="165100" h="254000"/>
+    </dgm:sp3d>
+    <dgm:txPr/>
+    <dgm:style>
+      <a:lnRef idx="0">
+        <a:scrgbClr r="0" g="0" b="0"/>
+      </a:lnRef>
+      <a:fillRef idx="1">
+        <a:scrgbClr r="0" g="0" b="0"/>
+      </a:fillRef>
+      <a:effectRef idx="2">
+        <a:scrgbClr r="0" g="0" b="0"/>
+      </a:effectRef>
+      <a:fontRef idx="minor">
+        <a:schemeClr val="lt1"/>
+      </a:fontRef>
+    </dgm:style>
+  </dgm:styleLbl>
+  <dgm:styleLbl name="node2">
+    <dgm:scene3d>
+      <a:camera prst="orthographicFront">
+        <a:rot lat="0" lon="0" rev="0"/>
+      </a:camera>
+      <a:lightRig rig="contrasting" dir="t">
+        <a:rot lat="0" lon="0" rev="1200000"/>
+      </a:lightRig>
+    </dgm:scene3d>
+    <dgm:sp3d contourW="19050" prstMaterial="metal">
+      <a:bevelT w="88900" h="203200"/>
+      <a:bevelB w="165100" h="254000"/>
+    </dgm:sp3d>
+    <dgm:txPr/>
+    <dgm:style>
+      <a:lnRef idx="0">
+        <a:scrgbClr r="0" g="0" b="0"/>
+      </a:lnRef>
+      <a:fillRef idx="1">
+        <a:scrgbClr r="0" g="0" b="0"/>
+      </a:fillRef>
+      <a:effectRef idx="1">
+        <a:scrgbClr r="0" g="0" b="0"/>
+      </a:effectRef>
+      <a:fontRef idx="minor">
+        <a:schemeClr val="lt1"/>
+      </a:fontRef>
+    </dgm:style>
+  </dgm:styleLbl>
+  <dgm:styleLbl name="node3">
+    <dgm:scene3d>
+      <a:camera prst="orthographicFront">
+        <a:rot lat="0" lon="0" rev="0"/>
+      </a:camera>
+      <a:lightRig rig="contrasting" dir="t">
+        <a:rot lat="0" lon="0" rev="1200000"/>
+      </a:lightRig>
+    </dgm:scene3d>
+    <dgm:sp3d contourW="19050" prstMaterial="metal">
+      <a:bevelT w="88900" h="203200"/>
+      <a:bevelB w="165100" h="254000"/>
+    </dgm:sp3d>
+    <dgm:txPr/>
+    <dgm:style>
+      <a:lnRef idx="0">
+        <a:scrgbClr r="0" g="0" b="0"/>
+      </a:lnRef>
+      <a:fillRef idx="1">
+        <a:scrgbClr r="0" g="0" b="0"/>
+      </a:fillRef>
+      <a:effectRef idx="1">
+        <a:scrgbClr r="0" g="0" b="0"/>
+      </a:effectRef>
+      <a:fontRef idx="minor">
+        <a:schemeClr val="lt1"/>
+      </a:fontRef>
+    </dgm:style>
+  </dgm:styleLbl>
+  <dgm:styleLbl name="node4">
+    <dgm:scene3d>
+      <a:camera prst="orthographicFront">
+        <a:rot lat="0" lon="0" rev="0"/>
+      </a:camera>
+      <a:lightRig rig="contrasting" dir="t">
+        <a:rot lat="0" lon="0" rev="1200000"/>
+      </a:lightRig>
+    </dgm:scene3d>
+    <dgm:sp3d contourW="19050" prstMaterial="metal">
+      <a:bevelT w="88900" h="203200"/>
+      <a:bevelB w="165100" h="254000"/>
+    </dgm:sp3d>
+    <dgm:txPr/>
+    <dgm:style>
+      <a:lnRef idx="0">
+        <a:scrgbClr r="0" g="0" b="0"/>
+      </a:lnRef>
+      <a:fillRef idx="1">
+        <a:scrgbClr r="0" g="0" b="0"/>
+      </a:fillRef>
+      <a:effectRef idx="1">
+        <a:scrgbClr r="0" g="0" b="0"/>
+      </a:effectRef>
+      <a:fontRef idx="minor">
+        <a:schemeClr val="lt1"/>
+      </a:fontRef>
+    </dgm:style>
+  </dgm:styleLbl>
+  <dgm:styleLbl name="fgImgPlace1">
+    <dgm:scene3d>
+      <a:camera prst="orthographicFront">
+        <a:rot lat="0" lon="0" rev="0"/>
+      </a:camera>
+      <a:lightRig rig="contrasting" dir="t">
+        <a:rot lat="0" lon="0" rev="1200000"/>
+      </a:lightRig>
+    </dgm:scene3d>
+    <dgm:sp3d z="300000" contourW="19050" prstMaterial="metal">
+      <a:bevelT w="88900" h="203200"/>
+      <a:bevelB w="165100" h="254000"/>
+    </dgm:sp3d>
+    <dgm:txPr/>
+    <dgm:style>
+      <a:lnRef idx="0">
+        <a:scrgbClr r="0" g="0" b="0"/>
+      </a:lnRef>
+      <a:fillRef idx="1">
+        <a:scrgbClr r="0" g="0" b="0"/>
+      </a:fillRef>
+      <a:effectRef idx="1">
+        <a:scrgbClr r="0" g="0" b="0"/>
+      </a:effectRef>
+      <a:fontRef idx="minor"/>
+    </dgm:style>
+  </dgm:styleLbl>
+  <dgm:styleLbl name="alignImgPlace1">
+    <dgm:scene3d>
+      <a:camera prst="orthographicFront">
+        <a:rot lat="0" lon="0" rev="0"/>
+      </a:camera>
+      <a:lightRig rig="contrasting" dir="t">
+        <a:rot lat="0" lon="0" rev="1200000"/>
+      </a:lightRig>
+    </dgm:scene3d>
+    <dgm:sp3d contourW="12700" prstMaterial="flat">
+      <a:bevelT w="177800" h="254000"/>
+      <a:bevelB w="152400"/>
+    </dgm:sp3d>
+    <dgm:txPr/>
+    <dgm:style>
+      <a:lnRef idx="0">
+        <a:scrgbClr r="0" g="0" b="0"/>
+      </a:lnRef>
+      <a:fillRef idx="1">
+        <a:scrgbClr r="0" g="0" b="0"/>
+      </a:fillRef>
+      <a:effectRef idx="1">
+        <a:scrgbClr r="0" g="0" b="0"/>
+      </a:effectRef>
+      <a:fontRef idx="minor"/>
+    </dgm:style>
+  </dgm:styleLbl>
+  <dgm:styleLbl name="bgImgPlace1">
+    <dgm:scene3d>
+      <a:camera prst="orthographicFront">
+        <a:rot lat="0" lon="0" rev="0"/>
+      </a:camera>
+      <a:lightRig rig="contrasting" dir="t">
+        <a:rot lat="0" lon="0" rev="1200000"/>
+      </a:lightRig>
+    </dgm:scene3d>
+    <dgm:sp3d z="-300000" contourW="19050" prstMaterial="metal">
+      <a:bevelT w="88900" h="203200"/>
+      <a:bevelB w="165100" h="254000"/>
+    </dgm:sp3d>
+    <dgm:txPr/>
+    <dgm:style>
+      <a:lnRef idx="0">
+        <a:scrgbClr r="0" g="0" b="0"/>
+      </a:lnRef>
+      <a:fillRef idx="1">
+        <a:scrgbClr r="0" g="0" b="0"/>
+      </a:fillRef>
+      <a:effectRef idx="1">
+        <a:scrgbClr r="0" g="0" b="0"/>
+      </a:effectRef>
+      <a:fontRef idx="minor"/>
+    </dgm:style>
+  </dgm:styleLbl>
+  <dgm:styleLbl name="sibTrans2D1">
+    <dgm:scene3d>
+      <a:camera prst="orthographicFront">
+        <a:rot lat="0" lon="0" rev="0"/>
+      </a:camera>
+      <a:lightRig rig="contrasting" dir="t">
+        <a:rot lat="0" lon="0" rev="1200000"/>
+      </a:lightRig>
+    </dgm:scene3d>
+    <dgm:sp3d z="-182000" contourW="19050" prstMaterial="metal">
+      <a:bevelT w="88900" h="203200"/>
+      <a:bevelB w="165100" h="254000"/>
+    </dgm:sp3d>
+    <dgm:txPr/>
+    <dgm:style>
+      <a:lnRef idx="0">
+        <a:scrgbClr r="0" g="0" b="0"/>
+      </a:lnRef>
+      <a:fillRef idx="1">
+        <a:scrgbClr r="0" g="0" b="0"/>
+      </a:fillRef>
+      <a:effectRef idx="0">
+        <a:scrgbClr r="0" g="0" b="0"/>
+      </a:effectRef>
+      <a:fontRef idx="minor">
+        <a:schemeClr val="lt1"/>
+      </a:fontRef>
+    </dgm:style>
+  </dgm:styleLbl>
+  <dgm:styleLbl name="fgSibTrans2D1">
+    <dgm:scene3d>
+      <a:camera prst="orthographicFront">
+        <a:rot lat="0" lon="0" rev="0"/>
+      </a:camera>
+      <a:lightRig rig="contrasting" dir="t">
+        <a:rot lat="0" lon="0" rev="1200000"/>
+      </a:lightRig>
+    </dgm:scene3d>
+    <dgm:sp3d z="300000" contourW="19050" prstMaterial="metal">
+      <a:bevelT w="88900" h="203200"/>
+      <a:bevelB w="165100" h="254000"/>
+    </dgm:sp3d>
+    <dgm:txPr/>
+    <dgm:style>
+      <a:lnRef idx="0">
+        <a:scrgbClr r="0" g="0" b="0"/>
+      </a:lnRef>
+      <a:fillRef idx="1">
+        <a:scrgbClr r="0" g="0" b="0"/>
+      </a:fillRef>
+      <a:effectRef idx="0">
+        <a:scrgbClr r="0" g="0" b="0"/>
+      </a:effectRef>
+      <a:fontRef idx="minor"/>
+    </dgm:style>
+  </dgm:styleLbl>
+  <dgm:styleLbl name="bgSibTrans2D1">
+    <dgm:scene3d>
+      <a:camera prst="orthographicFront">
+        <a:rot lat="0" lon="0" rev="0"/>
+      </a:camera>
+      <a:lightRig rig="contrasting" dir="t">
+        <a:rot lat="0" lon="0" rev="1200000"/>
+      </a:lightRig>
+    </dgm:scene3d>
+    <dgm:sp3d z="-300000" contourW="19050" prstMaterial="metal">
+      <a:bevelT w="88900" h="203200"/>
+      <a:bevelB w="165100" h="254000"/>
+    </dgm:sp3d>
+    <dgm:txPr/>
+    <dgm:style>
+      <a:lnRef idx="0">
+        <a:scrgbClr r="0" g="0" b="0"/>
+      </a:lnRef>
+      <a:fillRef idx="1">
+        <a:scrgbClr r="0" g="0" b="0"/>
+      </a:fillRef>
+      <a:effectRef idx="0">
+        <a:scrgbClr r="0" g="0" b="0"/>
+      </a:effectRef>
+      <a:fontRef idx="minor"/>
+    </dgm:style>
+  </dgm:styleLbl>
+  <dgm:styleLbl name="sibTrans1D1">
+    <dgm:scene3d>
+      <a:camera prst="orthographicFront">
+        <a:rot lat="0" lon="0" rev="0"/>
+      </a:camera>
+      <a:lightRig rig="contrasting" dir="t">
+        <a:rot lat="0" lon="0" rev="1200000"/>
+      </a:lightRig>
+    </dgm:scene3d>
+    <dgm:sp3d z="-110000"/>
+    <dgm:txPr/>
+    <dgm:style>
+      <a:lnRef idx="1">
+        <a:scrgbClr r="0" g="0" b="0"/>
+      </a:lnRef>
+      <a:fillRef idx="0">
+        <a:scrgbClr r="0" g="0" b="0"/>
+      </a:fillRef>
+      <a:effectRef idx="0">
+        <a:scrgbClr r="0" g="0" b="0"/>
+      </a:effectRef>
+      <a:fontRef idx="minor"/>
+    </dgm:style>
+  </dgm:styleLbl>
+  <dgm:styleLbl name="callout">
+    <dgm:scene3d>
+      <a:camera prst="orthographicFront">
+        <a:rot lat="0" lon="0" rev="0"/>
+      </a:camera>
+      <a:lightRig rig="contrasting" dir="t">
+        <a:rot lat="0" lon="0" rev="1200000"/>
+      </a:lightRig>
+    </dgm:scene3d>
+    <dgm:sp3d z="10000"/>
+    <dgm:txPr/>
+    <dgm:style>
+      <a:lnRef idx="2">
+        <a:scrgbClr r="0" g="0" b="0"/>
+      </a:lnRef>
+      <a:fillRef idx="1">
+        <a:scrgbClr r="0" g="0" b="0"/>
+      </a:fillRef>
+      <a:effectRef idx="0">
+        <a:scrgbClr r="0" g="0" b="0"/>
+      </a:effectRef>
+      <a:fontRef idx="minor"/>
+    </dgm:style>
+  </dgm:styleLbl>
+  <dgm:styleLbl name="asst0">
+    <dgm:scene3d>
+      <a:camera prst="orthographicFront">
+        <a:rot lat="0" lon="0" rev="0"/>
+      </a:camera>
+      <a:lightRig rig="contrasting" dir="t">
+        <a:rot lat="0" lon="0" rev="1200000"/>
+      </a:lightRig>
+    </dgm:scene3d>
+    <dgm:sp3d contourW="19050" prstMaterial="metal">
+      <a:bevelT w="88900" h="203200"/>
+      <a:bevelB w="165100" h="254000"/>
+    </dgm:sp3d>
+    <dgm:txPr/>
+    <dgm:style>
+      <a:lnRef idx="0">
+        <a:scrgbClr r="0" g="0" b="0"/>
+      </a:lnRef>
+      <a:fillRef idx="1">
+        <a:scrgbClr r="0" g="0" b="0"/>
+      </a:fillRef>
+      <a:effectRef idx="1">
+        <a:scrgbClr r="0" g="0" b="0"/>
+      </a:effectRef>
+      <a:fontRef idx="minor">
+        <a:schemeClr val="lt1"/>
+      </a:fontRef>
+    </dgm:style>
+  </dgm:styleLbl>
+  <dgm:styleLbl name="asst1">
+    <dgm:scene3d>
+      <a:camera prst="orthographicFront">
+        <a:rot lat="0" lon="0" rev="0"/>
+      </a:camera>
+      <a:lightRig rig="contrasting" dir="t">
+        <a:rot lat="0" lon="0" rev="1200000"/>
+      </a:lightRig>
+    </dgm:scene3d>
+    <dgm:sp3d contourW="19050" prstMaterial="metal">
+      <a:bevelT w="88900" h="203200"/>
+      <a:bevelB w="165100" h="254000"/>
+    </dgm:sp3d>
+    <dgm:txPr/>
+    <dgm:style>
+      <a:lnRef idx="0">
+        <a:scrgbClr r="0" g="0" b="0"/>
+      </a:lnRef>
+      <a:fillRef idx="1">
+        <a:scrgbClr r="0" g="0" b="0"/>
+      </a:fillRef>
+      <a:effectRef idx="1">
+        <a:scrgbClr r="0" g="0" b="0"/>
+      </a:effectRef>
+      <a:fontRef idx="minor">
+        <a:schemeClr val="lt1"/>
+      </a:fontRef>
+    </dgm:style>
+  </dgm:styleLbl>
+  <dgm:styleLbl name="asst2">
+    <dgm:scene3d>
+      <a:camera prst="orthographicFront">
+        <a:rot lat="0" lon="0" rev="0"/>
+      </a:camera>
+      <a:lightRig rig="contrasting" dir="t">
+        <a:rot lat="0" lon="0" rev="1200000"/>
+      </a:lightRig>
+    </dgm:scene3d>
+    <dgm:sp3d contourW="19050" prstMaterial="metal">
+      <a:bevelT w="88900" h="203200"/>
+      <a:bevelB w="165100" h="254000"/>
+    </dgm:sp3d>
+    <dgm:txPr/>
+    <dgm:style>
+      <a:lnRef idx="0">
+        <a:scrgbClr r="0" g="0" b="0"/>
+      </a:lnRef>
+      <a:fillRef idx="1">
+        <a:scrgbClr r="0" g="0" b="0"/>
+      </a:fillRef>
+      <a:effectRef idx="1">
+        <a:scrgbClr r="0" g="0" b="0"/>
+      </a:effectRef>
+      <a:fontRef idx="minor">
+        <a:schemeClr val="lt1"/>
+      </a:fontRef>
+    </dgm:style>
+  </dgm:styleLbl>
+  <dgm:styleLbl name="asst3">
+    <dgm:scene3d>
+      <a:camera prst="orthographicFront">
+        <a:rot lat="0" lon="0" rev="0"/>
+      </a:camera>
+      <a:lightRig rig="contrasting" dir="t">
+        <a:rot lat="0" lon="0" rev="1200000"/>
+      </a:lightRig>
+    </dgm:scene3d>
+    <dgm:sp3d contourW="19050" prstMaterial="metal">
+      <a:bevelT w="88900" h="203200"/>
+      <a:bevelB w="165100" h="254000"/>
+    </dgm:sp3d>
+    <dgm:txPr/>
+    <dgm:style>
+      <a:lnRef idx="0">
+        <a:scrgbClr r="0" g="0" b="0"/>
+      </a:lnRef>
+      <a:fillRef idx="1">
+        <a:scrgbClr r="0" g="0" b="0"/>
+      </a:fillRef>
+      <a:effectRef idx="1">
+        <a:scrgbClr r="0" g="0" b="0"/>
+      </a:effectRef>
+      <a:fontRef idx="minor">
+        <a:schemeClr val="lt1"/>
+      </a:fontRef>
+    </dgm:style>
+  </dgm:styleLbl>
+  <dgm:styleLbl name="asst4">
+    <dgm:scene3d>
+      <a:camera prst="orthographicFront"/>
+      <a:lightRig rig="threePt" dir="t"/>
+    </dgm:scene3d>
+    <dgm:sp3d contourW="19050" prstMaterial="metal">
+      <a:bevelT w="88900" h="203200"/>
+      <a:bevelB w="165100" h="254000"/>
+    </dgm:sp3d>
+    <dgm:txPr/>
+    <dgm:style>
+      <a:lnRef idx="0">
+        <a:scrgbClr r="0" g="0" b="0"/>
+      </a:lnRef>
+      <a:fillRef idx="1">
+        <a:scrgbClr r="0" g="0" b="0"/>
+      </a:fillRef>
+      <a:effectRef idx="1">
+        <a:scrgbClr r="0" g="0" b="0"/>
+      </a:effectRef>
+      <a:fontRef idx="minor">
+        <a:schemeClr val="lt1"/>
+      </a:fontRef>
+    </dgm:style>
+  </dgm:styleLbl>
+  <dgm:styleLbl name="parChTrans2D1">
+    <dgm:scene3d>
+      <a:camera prst="orthographicFront">
+        <a:rot lat="0" lon="0" rev="0"/>
+      </a:camera>
+      <a:lightRig rig="contrasting" dir="t">
+        <a:rot lat="0" lon="0" rev="1200000"/>
+      </a:lightRig>
+    </dgm:scene3d>
+    <dgm:sp3d contourW="19050" prstMaterial="metal">
+      <a:bevelT w="88900" h="203200"/>
+      <a:bevelB w="165100" h="254000"/>
+    </dgm:sp3d>
+    <dgm:txPr/>
+    <dgm:style>
+      <a:lnRef idx="0">
+        <a:scrgbClr r="0" g="0" b="0"/>
+      </a:lnRef>
+      <a:fillRef idx="1">
+        <a:scrgbClr r="0" g="0" b="0"/>
+      </a:fillRef>
+      <a:effectRef idx="0">
+        <a:scrgbClr r="0" g="0" b="0"/>
+      </a:effectRef>
+      <a:fontRef idx="minor"/>
+    </dgm:style>
+  </dgm:styleLbl>
+  <dgm:styleLbl name="parChTrans2D2">
+    <dgm:scene3d>
+      <a:camera prst="orthographicFront">
+        <a:rot lat="0" lon="0" rev="0"/>
+      </a:camera>
+      <a:lightRig rig="contrasting" dir="t">
+        <a:rot lat="0" lon="0" rev="1200000"/>
+      </a:lightRig>
+    </dgm:scene3d>
+    <dgm:sp3d contourW="19050" prstMaterial="metal">
+      <a:bevelT w="88900" h="203200"/>
+      <a:bevelB w="165100" h="254000"/>
+    </dgm:sp3d>
+    <dgm:txPr/>
+    <dgm:style>
+      <a:lnRef idx="0">
+        <a:scrgbClr r="0" g="0" b="0"/>
+      </a:lnRef>
+      <a:fillRef idx="1">
+        <a:scrgbClr r="0" g="0" b="0"/>
+      </a:fillRef>
+      <a:effectRef idx="0">
+        <a:scrgbClr r="0" g="0" b="0"/>
+      </a:effectRef>
+      <a:fontRef idx="minor"/>
+    </dgm:style>
+  </dgm:styleLbl>
+  <dgm:styleLbl name="parChTrans2D3">
+    <dgm:scene3d>
+      <a:camera prst="orthographicFront">
+        <a:rot lat="0" lon="0" rev="0"/>
+      </a:camera>
+      <a:lightRig rig="contrasting" dir="t">
+        <a:rot lat="0" lon="0" rev="1200000"/>
+      </a:lightRig>
+    </dgm:scene3d>
+    <dgm:sp3d contourW="19050" prstMaterial="metal">
+      <a:bevelT w="88900" h="203200"/>
+      <a:bevelB w="165100" h="254000"/>
+    </dgm:sp3d>
+    <dgm:txPr/>
+    <dgm:style>
+      <a:lnRef idx="0">
+        <a:scrgbClr r="0" g="0" b="0"/>
+      </a:lnRef>
+      <a:fillRef idx="1">
+        <a:scrgbClr r="0" g="0" b="0"/>
+      </a:fillRef>
+      <a:effectRef idx="0">
+        <a:scrgbClr r="0" g="0" b="0"/>
+      </a:effectRef>
+      <a:fontRef idx="minor"/>
+    </dgm:style>
+  </dgm:styleLbl>
+  <dgm:styleLbl name="parChTrans2D4">
+    <dgm:scene3d>
+      <a:camera prst="orthographicFront">
+        <a:rot lat="0" lon="0" rev="0"/>
+      </a:camera>
+      <a:lightRig rig="contrasting" dir="t">
+        <a:rot lat="0" lon="0" rev="1200000"/>
+      </a:lightRig>
+    </dgm:scene3d>
+    <dgm:sp3d contourW="19050" prstMaterial="metal">
+      <a:bevelT w="88900" h="203200"/>
+      <a:bevelB w="165100" h="254000"/>
+    </dgm:sp3d>
+    <dgm:txPr/>
+    <dgm:style>
+      <a:lnRef idx="0">
+        <a:scrgbClr r="0" g="0" b="0"/>
+      </a:lnRef>
+      <a:fillRef idx="1">
+        <a:scrgbClr r="0" g="0" b="0"/>
+      </a:fillRef>
+      <a:effectRef idx="0">
+        <a:scrgbClr r="0" g="0" b="0"/>
+      </a:effectRef>
+      <a:fontRef idx="minor"/>
+    </dgm:style>
+  </dgm:styleLbl>
+  <dgm:styleLbl name="parChTrans1D1">
+    <dgm:scene3d>
+      <a:camera prst="orthographicFront">
+        <a:rot lat="0" lon="0" rev="0"/>
+      </a:camera>
+      <a:lightRig rig="contrasting" dir="t">
+        <a:rot lat="0" lon="0" rev="1200000"/>
+      </a:lightRig>
+    </dgm:scene3d>
+    <dgm:sp3d z="-110000"/>
+    <dgm:txPr/>
+    <dgm:style>
+      <a:lnRef idx="2">
+        <a:scrgbClr r="0" g="0" b="0"/>
+      </a:lnRef>
+      <a:fillRef idx="0">
+        <a:scrgbClr r="0" g="0" b="0"/>
+      </a:fillRef>
+      <a:effectRef idx="0">
+        <a:scrgbClr r="0" g="0" b="0"/>
+      </a:effectRef>
+      <a:fontRef idx="minor"/>
+    </dgm:style>
+  </dgm:styleLbl>
+  <dgm:styleLbl name="parChTrans1D2">
+    <dgm:scene3d>
+      <a:camera prst="orthographicFront">
+        <a:rot lat="0" lon="0" rev="0"/>
+      </a:camera>
+      <a:lightRig rig="contrasting" dir="t">
+        <a:rot lat="0" lon="0" rev="1200000"/>
+      </a:lightRig>
+    </dgm:scene3d>
+    <dgm:sp3d z="-110000"/>
+    <dgm:txPr/>
+    <dgm:style>
+      <a:lnRef idx="2">
+        <a:scrgbClr r="0" g="0" b="0"/>
+      </a:lnRef>
+      <a:fillRef idx="0">
+        <a:scrgbClr r="0" g="0" b="0"/>
+      </a:fillRef>
+      <a:effectRef idx="0">
+        <a:scrgbClr r="0" g="0" b="0"/>
+      </a:effectRef>
+      <a:fontRef idx="minor"/>
+    </dgm:style>
+  </dgm:styleLbl>
+  <dgm:styleLbl name="parChTrans1D3">
+    <dgm:scene3d>
+      <a:camera prst="orthographicFront">
+        <a:rot lat="0" lon="0" rev="0"/>
+      </a:camera>
+      <a:lightRig rig="contrasting" dir="t">
+        <a:rot lat="0" lon="0" rev="1200000"/>
+      </a:lightRig>
+    </dgm:scene3d>
+    <dgm:sp3d z="-110000"/>
+    <dgm:txPr/>
+    <dgm:style>
+      <a:lnRef idx="2">
+        <a:scrgbClr r="0" g="0" b="0"/>
+      </a:lnRef>
+      <a:fillRef idx="0">
+        <a:scrgbClr r="0" g="0" b="0"/>
+      </a:fillRef>
+      <a:effectRef idx="0">
+        <a:scrgbClr r="0" g="0" b="0"/>
+      </a:effectRef>
+      <a:fontRef idx="minor"/>
+    </dgm:style>
+  </dgm:styleLbl>
+  <dgm:styleLbl name="parChTrans1D4">
+    <dgm:scene3d>
+      <a:camera prst="orthographicFront">
+        <a:rot lat="0" lon="0" rev="0"/>
+      </a:camera>
+      <a:lightRig rig="contrasting" dir="t">
+        <a:rot lat="0" lon="0" rev="1200000"/>
+      </a:lightRig>
+    </dgm:scene3d>
+    <dgm:sp3d z="-110000"/>
+    <dgm:txPr/>
+    <dgm:style>
+      <a:lnRef idx="2">
+        <a:scrgbClr r="0" g="0" b="0"/>
+      </a:lnRef>
+      <a:fillRef idx="0">
+        <a:scrgbClr r="0" g="0" b="0"/>
+      </a:fillRef>
+      <a:effectRef idx="0">
+        <a:scrgbClr r="0" g="0" b="0"/>
+      </a:effectRef>
+      <a:fontRef idx="minor"/>
+    </dgm:style>
+  </dgm:styleLbl>
+  <dgm:styleLbl name="fgAcc1">
+    <dgm:scene3d>
+      <a:camera prst="orthographicFront">
+        <a:rot lat="0" lon="0" rev="0"/>
+      </a:camera>
+      <a:lightRig rig="contrasting" dir="t">
+        <a:rot lat="0" lon="0" rev="1200000"/>
+      </a:lightRig>
+    </dgm:scene3d>
+    <dgm:sp3d z="300000" contourW="19050" prstMaterial="metal">
+      <a:bevelT w="88900" h="203200"/>
+      <a:bevelB w="165100" h="254000"/>
+    </dgm:sp3d>
+    <dgm:txPr/>
+    <dgm:style>
+      <a:lnRef idx="0">
+        <a:scrgbClr r="0" g="0" b="0"/>
+      </a:lnRef>
+      <a:fillRef idx="1">
+        <a:scrgbClr r="0" g="0" b="0"/>
+      </a:fillRef>
+      <a:effectRef idx="0">
+        <a:scrgbClr r="0" g="0" b="0"/>
+      </a:effectRef>
+      <a:fontRef idx="minor"/>
+    </dgm:style>
+  </dgm:styleLbl>
+  <dgm:styleLbl name="conFgAcc1">
+    <dgm:scene3d>
+      <a:camera prst="orthographicFront">
+        <a:rot lat="0" lon="0" rev="0"/>
+      </a:camera>
+      <a:lightRig rig="contrasting" dir="t">
+        <a:rot lat="0" lon="0" rev="1200000"/>
+      </a:lightRig>
+    </dgm:scene3d>
+    <dgm:sp3d z="300000" contourW="19050" prstMaterial="metal">
+      <a:bevelT w="88900" h="203200"/>
+      <a:bevelB w="165100" h="254000"/>
+    </dgm:sp3d>
+    <dgm:txPr/>
+    <dgm:style>
+      <a:lnRef idx="0">
+        <a:scrgbClr r="0" g="0" b="0"/>
+      </a:lnRef>
+      <a:fillRef idx="1">
+        <a:scrgbClr r="0" g="0" b="0"/>
+      </a:fillRef>
+      <a:effectRef idx="0">
+        <a:scrgbClr r="0" g="0" b="0"/>
+      </a:effectRef>
+      <a:fontRef idx="minor"/>
+    </dgm:style>
+  </dgm:styleLbl>
+  <dgm:styleLbl name="alignAcc1">
+    <dgm:scene3d>
+      <a:camera prst="orthographicFront">
+        <a:rot lat="0" lon="0" rev="0"/>
+      </a:camera>
+      <a:lightRig rig="contrasting" dir="t">
+        <a:rot lat="0" lon="0" rev="1200000"/>
+      </a:lightRig>
+    </dgm:scene3d>
+    <dgm:sp3d contourW="19050" prstMaterial="metal">
+      <a:bevelT w="88900" h="203200"/>
+      <a:bevelB w="165100" h="254000"/>
+    </dgm:sp3d>
+    <dgm:txPr/>
+    <dgm:style>
+      <a:lnRef idx="0">
+        <a:scrgbClr r="0" g="0" b="0"/>
+      </a:lnRef>
+      <a:fillRef idx="1">
+        <a:scrgbClr r="0" g="0" b="0"/>
+      </a:fillRef>
+      <a:effectRef idx="0">
+        <a:scrgbClr r="0" g="0" b="0"/>
+      </a:effectRef>
+      <a:fontRef idx="minor"/>
+    </dgm:style>
+  </dgm:styleLbl>
+  <dgm:styleLbl name="trAlignAcc1">
+    <dgm:scene3d>
+      <a:camera prst="orthographicFront">
+        <a:rot lat="0" lon="0" rev="0"/>
+      </a:camera>
+      <a:lightRig rig="contrasting" dir="t">
+        <a:rot lat="0" lon="0" rev="1200000"/>
+      </a:lightRig>
+    </dgm:scene3d>
+    <dgm:sp3d contourW="19050" prstMaterial="metal">
+      <a:bevelT w="88900" h="203200"/>
+      <a:bevelB w="165100" h="254000"/>
+    </dgm:sp3d>
+    <dgm:txPr/>
+    <dgm:style>
+      <a:lnRef idx="0">
+        <a:scrgbClr r="0" g="0" b="0"/>
+      </a:lnRef>
+      <a:fillRef idx="1">
+        <a:scrgbClr r="0" g="0" b="0"/>
+      </a:fillRef>
+      <a:effectRef idx="1">
+        <a:scrgbClr r="0" g="0" b="0"/>
+      </a:effectRef>
+      <a:fontRef idx="minor"/>
+    </dgm:style>
+  </dgm:styleLbl>
+  <dgm:styleLbl name="bgAcc1">
+    <dgm:scene3d>
+      <a:camera prst="orthographicFront">
+        <a:rot lat="0" lon="0" rev="0"/>
+      </a:camera>
+      <a:lightRig rig="contrasting" dir="t">
+        <a:rot lat="0" lon="0" rev="1200000"/>
+      </a:lightRig>
+    </dgm:scene3d>
+    <dgm:sp3d z="-300000" contourW="19050" prstMaterial="metal">
+      <a:bevelT w="88900" h="203200"/>
+      <a:bevelB w="165100" h="254000"/>
+    </dgm:sp3d>
+    <dgm:txPr/>
+    <dgm:style>
+      <a:lnRef idx="0">
+        <a:scrgbClr r="0" g="0" b="0"/>
+      </a:lnRef>
+      <a:fillRef idx="1">
+        <a:scrgbClr r="0" g="0" b="0"/>
+      </a:fillRef>
+      <a:effectRef idx="0">
+        <a:scrgbClr r="0" g="0" b="0"/>
+      </a:effectRef>
+      <a:fontRef idx="minor"/>
+    </dgm:style>
+  </dgm:styleLbl>
+  <dgm:styleLbl name="solidFgAcc1">
+    <dgm:scene3d>
+      <a:camera prst="orthographicFront">
+        <a:rot lat="0" lon="0" rev="0"/>
+      </a:camera>
+      <a:lightRig rig="contrasting" dir="t">
+        <a:rot lat="0" lon="0" rev="1200000"/>
+      </a:lightRig>
+    </dgm:scene3d>
+    <dgm:sp3d z="300000" contourW="12700" prstMaterial="flat">
+      <a:bevelT w="177800" h="254000"/>
+      <a:bevelB w="152400"/>
+    </dgm:sp3d>
+    <dgm:txPr/>
+    <dgm:style>
+      <a:lnRef idx="0">
+        <a:scrgbClr r="0" g="0" b="0"/>
+      </a:lnRef>
+      <a:fillRef idx="1">
+        <a:scrgbClr r="0" g="0" b="0"/>
+      </a:fillRef>
+      <a:effectRef idx="0">
+        <a:scrgbClr r="0" g="0" b="0"/>
+      </a:effectRef>
+      <a:fontRef idx="minor"/>
+    </dgm:style>
+  </dgm:styleLbl>
+  <dgm:styleLbl name="solidAlignAcc1">
+    <dgm:scene3d>
+      <a:camera prst="orthographicFront">
+        <a:rot lat="0" lon="0" rev="0"/>
+      </a:camera>
+      <a:lightRig rig="contrasting" dir="t">
+        <a:rot lat="0" lon="0" rev="1200000"/>
+      </a:lightRig>
+    </dgm:scene3d>
+    <dgm:sp3d contourW="19050" prstMaterial="metal">
+      <a:bevelT w="88900" h="203200"/>
+      <a:bevelB w="165100" h="254000"/>
+    </dgm:sp3d>
+    <dgm:txPr/>
+    <dgm:style>
+      <a:lnRef idx="0">
+        <a:scrgbClr r="0" g="0" b="0"/>
+      </a:lnRef>
+      <a:fillRef idx="1">
+        <a:scrgbClr r="0" g="0" b="0"/>
+      </a:fillRef>
+      <a:effectRef idx="0">
+        <a:scrgbClr r="0" g="0" b="0"/>
+      </a:effectRef>
+      <a:fontRef idx="minor"/>
+    </dgm:style>
+  </dgm:styleLbl>
+  <dgm:styleLbl name="solidBgAcc1">
+    <dgm:scene3d>
+      <a:camera prst="orthographicFront">
+        <a:rot lat="0" lon="0" rev="0"/>
+      </a:camera>
+      <a:lightRig rig="contrasting" dir="t">
+        <a:rot lat="0" lon="0" rev="1200000"/>
+      </a:lightRig>
+    </dgm:scene3d>
+    <dgm:sp3d z="-300000" contourW="19050" prstMaterial="metal">
+      <a:bevelT w="88900" h="203200"/>
+      <a:bevelB w="165100" h="254000"/>
+    </dgm:sp3d>
+    <dgm:txPr/>
+    <dgm:style>
+      <a:lnRef idx="0">
+        <a:scrgbClr r="0" g="0" b="0"/>
+      </a:lnRef>
+      <a:fillRef idx="1">
+        <a:scrgbClr r="0" g="0" b="0"/>
+      </a:fillRef>
+      <a:effectRef idx="0">
+        <a:scrgbClr r="0" g="0" b="0"/>
+      </a:effectRef>
+      <a:fontRef idx="minor"/>
+    </dgm:style>
+  </dgm:styleLbl>
+  <dgm:styleLbl name="fgAccFollowNode1">
+    <dgm:scene3d>
+      <a:camera prst="orthographicFront">
+        <a:rot lat="0" lon="0" rev="0"/>
+      </a:camera>
+      <a:lightRig rig="contrasting" dir="t">
+        <a:rot lat="0" lon="0" rev="1200000"/>
+      </a:lightRig>
+    </dgm:scene3d>
+    <dgm:sp3d z="300000" contourW="19050" prstMaterial="metal">
+      <a:bevelT w="88900" h="203200"/>
+      <a:bevelB w="165100" h="254000"/>
+    </dgm:sp3d>
+    <dgm:txPr/>
+    <dgm:style>
+      <a:lnRef idx="0">
+        <a:scrgbClr r="0" g="0" b="0"/>
+      </a:lnRef>
+      <a:fillRef idx="1">
+        <a:scrgbClr r="0" g="0" b="0"/>
+      </a:fillRef>
+      <a:effectRef idx="0">
+        <a:scrgbClr r="0" g="0" b="0"/>
+      </a:effectRef>
+      <a:fontRef idx="minor"/>
+    </dgm:style>
+  </dgm:styleLbl>
+  <dgm:styleLbl name="alignAccFollowNode1">
+    <dgm:scene3d>
+      <a:camera prst="orthographicFront">
+        <a:rot lat="0" lon="0" rev="0"/>
+      </a:camera>
+      <a:lightRig rig="contrasting" dir="t">
+        <a:rot lat="0" lon="0" rev="1200000"/>
+      </a:lightRig>
+    </dgm:scene3d>
+    <dgm:sp3d contourW="19050" prstMaterial="metal">
+      <a:bevelT w="88900" h="203200"/>
+      <a:bevelB w="165100" h="254000"/>
+    </dgm:sp3d>
+    <dgm:txPr/>
+    <dgm:style>
+      <a:lnRef idx="0">
+        <a:scrgbClr r="0" g="0" b="0"/>
+      </a:lnRef>
+      <a:fillRef idx="1">
+        <a:scrgbClr r="0" g="0" b="0"/>
+      </a:fillRef>
+      <a:effectRef idx="0">
+        <a:scrgbClr r="0" g="0" b="0"/>
+      </a:effectRef>
+      <a:fontRef idx="minor"/>
+    </dgm:style>
+  </dgm:styleLbl>
+  <dgm:styleLbl name="bgAccFollowNode1">
+    <dgm:scene3d>
+      <a:camera prst="orthographicFront">
+        <a:rot lat="0" lon="0" rev="0"/>
+      </a:camera>
+      <a:lightRig rig="contrasting" dir="t">
+        <a:rot lat="0" lon="0" rev="1200000"/>
+      </a:lightRig>
+    </dgm:scene3d>
+    <dgm:sp3d z="-300000" contourW="19050" prstMaterial="metal">
+      <a:bevelT w="88900" h="203200"/>
+      <a:bevelB w="165100" h="254000"/>
+    </dgm:sp3d>
+    <dgm:txPr/>
+    <dgm:style>
+      <a:lnRef idx="0">
+        <a:scrgbClr r="0" g="0" b="0"/>
+      </a:lnRef>
+      <a:fillRef idx="1">
+        <a:scrgbClr r="0" g="0" b="0"/>
+      </a:fillRef>
+      <a:effectRef idx="0">
+        <a:scrgbClr r="0" g="0" b="0"/>
+      </a:effectRef>
+      <a:fontRef idx="minor"/>
+    </dgm:style>
+  </dgm:styleLbl>
+  <dgm:styleLbl name="fgAcc0">
+    <dgm:scene3d>
+      <a:camera prst="orthographicFront">
+        <a:rot lat="0" lon="0" rev="0"/>
+      </a:camera>
+      <a:lightRig rig="contrasting" dir="t">
+        <a:rot lat="0" lon="0" rev="1200000"/>
+      </a:lightRig>
+    </dgm:scene3d>
+    <dgm:sp3d z="300000" contourW="19050" prstMaterial="metal">
+      <a:bevelT w="88900" h="203200"/>
+      <a:bevelB w="165100" h="254000"/>
+    </dgm:sp3d>
+    <dgm:txPr/>
+    <dgm:style>
+      <a:lnRef idx="0">
+        <a:scrgbClr r="0" g="0" b="0"/>
+      </a:lnRef>
+      <a:fillRef idx="1">
+        <a:scrgbClr r="0" g="0" b="0"/>
+      </a:fillRef>
+      <a:effectRef idx="0">
+        <a:scrgbClr r="0" g="0" b="0"/>
+      </a:effectRef>
+      <a:fontRef idx="minor"/>
+    </dgm:style>
+  </dgm:styleLbl>
+  <dgm:styleLbl name="fgAcc2">
+    <dgm:scene3d>
+      <a:camera prst="orthographicFront">
+        <a:rot lat="0" lon="0" rev="0"/>
+      </a:camera>
+      <a:lightRig rig="contrasting" dir="t">
+        <a:rot lat="0" lon="0" rev="1200000"/>
+      </a:lightRig>
+    </dgm:scene3d>
+    <dgm:sp3d z="300000" contourW="19050" prstMaterial="metal">
+      <a:bevelT w="88900" h="203200"/>
+      <a:bevelB w="165100" h="254000"/>
+    </dgm:sp3d>
+    <dgm:txPr/>
+    <dgm:style>
+      <a:lnRef idx="0">
+        <a:scrgbClr r="0" g="0" b="0"/>
+      </a:lnRef>
+      <a:fillRef idx="1">
+        <a:scrgbClr r="0" g="0" b="0"/>
+      </a:fillRef>
+      <a:effectRef idx="0">
+        <a:scrgbClr r="0" g="0" b="0"/>
+      </a:effectRef>
+      <a:fontRef idx="minor"/>
+    </dgm:style>
+  </dgm:styleLbl>
+  <dgm:styleLbl name="fgAcc3">
+    <dgm:scene3d>
+      <a:camera prst="orthographicFront">
+        <a:rot lat="0" lon="0" rev="0"/>
+      </a:camera>
+      <a:lightRig rig="contrasting" dir="t">
+        <a:rot lat="0" lon="0" rev="1200000"/>
+      </a:lightRig>
+    </dgm:scene3d>
+    <dgm:sp3d z="300000" contourW="19050" prstMaterial="metal">
+      <a:bevelT w="88900" h="203200"/>
+      <a:bevelB w="165100" h="254000"/>
+    </dgm:sp3d>
+    <dgm:txPr/>
+    <dgm:style>
+      <a:lnRef idx="0">
+        <a:scrgbClr r="0" g="0" b="0"/>
+      </a:lnRef>
+      <a:fillRef idx="1">
+        <a:scrgbClr r="0" g="0" b="0"/>
+      </a:fillRef>
+      <a:effectRef idx="0">
+        <a:scrgbClr r="0" g="0" b="0"/>
+      </a:effectRef>
+      <a:fontRef idx="minor"/>
+    </dgm:style>
+  </dgm:styleLbl>
+  <dgm:styleLbl name="fgAcc4">
+    <dgm:scene3d>
+      <a:camera prst="orthographicFront">
+        <a:rot lat="0" lon="0" rev="0"/>
+      </a:camera>
+      <a:lightRig rig="contrasting" dir="t">
+        <a:rot lat="0" lon="0" rev="1200000"/>
+      </a:lightRig>
+    </dgm:scene3d>
+    <dgm:sp3d z="300000" contourW="19050" prstMaterial="metal">
+      <a:bevelT w="88900" h="203200"/>
+      <a:bevelB w="165100" h="254000"/>
+    </dgm:sp3d>
+    <dgm:txPr/>
+    <dgm:style>
+      <a:lnRef idx="0">
+        <a:scrgbClr r="0" g="0" b="0"/>
+      </a:lnRef>
+      <a:fillRef idx="1">
+        <a:scrgbClr r="0" g="0" b="0"/>
+      </a:fillRef>
+      <a:effectRef idx="0">
+        <a:scrgbClr r="0" g="0" b="0"/>
+      </a:effectRef>
+      <a:fontRef idx="minor"/>
+    </dgm:style>
+  </dgm:styleLbl>
+  <dgm:styleLbl name="bgShp">
+    <dgm:scene3d>
+      <a:camera prst="orthographicFront">
+        <a:rot lat="0" lon="0" rev="0"/>
+      </a:camera>
+      <a:lightRig rig="contrasting" dir="t">
+        <a:rot lat="0" lon="0" rev="1200000"/>
+      </a:lightRig>
+    </dgm:scene3d>
+    <dgm:sp3d z="-300000" prstMaterial="plastic"/>
+    <dgm:txPr/>
+    <dgm:style>
+      <a:lnRef idx="1">
+        <a:scrgbClr r="0" g="0" b="0"/>
+      </a:lnRef>
+      <a:fillRef idx="1">
+        <a:scrgbClr r="0" g="0" b="0"/>
+      </a:fillRef>
+      <a:effectRef idx="0">
+        <a:scrgbClr r="0" g="0" b="0"/>
+      </a:effectRef>
+      <a:fontRef idx="minor"/>
+    </dgm:style>
+  </dgm:styleLbl>
+  <dgm:styleLbl name="dkBgShp">
+    <dgm:scene3d>
+      <a:camera prst="orthographicFront">
+        <a:rot lat="0" lon="0" rev="0"/>
+      </a:camera>
+      <a:lightRig rig="contrasting" dir="t">
+        <a:rot lat="0" lon="0" rev="1200000"/>
+      </a:lightRig>
+    </dgm:scene3d>
+    <dgm:sp3d contourW="12700" prstMaterial="flat">
+      <a:bevelT w="100800" h="154000"/>
+      <a:bevelB w="152400"/>
+    </dgm:sp3d>
+    <dgm:txPr/>
+    <dgm:style>
+      <a:lnRef idx="0">
+        <a:scrgbClr r="0" g="0" b="0"/>
+      </a:lnRef>
+      <a:fillRef idx="1">
+        <a:scrgbClr r="0" g="0" b="0"/>
+      </a:fillRef>
+      <a:effectRef idx="0">
+        <a:scrgbClr r="0" g="0" b="0"/>
+      </a:effectRef>
+      <a:fontRef idx="minor"/>
+    </dgm:style>
+  </dgm:styleLbl>
+  <dgm:styleLbl name="trBgShp">
+    <dgm:scene3d>
+      <a:camera prst="orthographicFront">
+        <a:rot lat="0" lon="0" rev="0"/>
+      </a:camera>
+      <a:lightRig rig="contrasting" dir="t">
+        <a:rot lat="0" lon="0" rev="1200000"/>
+      </a:lightRig>
+    </dgm:scene3d>
+    <dgm:sp3d z="-152400" prstMaterial="matte"/>
+    <dgm:txPr/>
+    <dgm:style>
+      <a:lnRef idx="1">
+        <a:scrgbClr r="0" g="0" b="0"/>
+      </a:lnRef>
+      <a:fillRef idx="1">
+        <a:scrgbClr r="0" g="0" b="0"/>
+      </a:fillRef>
+      <a:effectRef idx="0">
+        <a:scrgbClr r="0" g="0" b="0"/>
+      </a:effectRef>
+      <a:fontRef idx="minor"/>
+    </dgm:style>
+  </dgm:styleLbl>
+  <dgm:styleLbl name="fgShp">
+    <dgm:scene3d>
+      <a:camera prst="orthographicFront">
+        <a:rot lat="0" lon="0" rev="0"/>
+      </a:camera>
+      <a:lightRig rig="contrasting" dir="t">
+        <a:rot lat="0" lon="0" rev="1200000"/>
+      </a:lightRig>
+    </dgm:scene3d>
+    <dgm:sp3d z="300000" contourW="19050" prstMaterial="metal">
+      <a:bevelT w="88900" h="203200"/>
+      <a:bevelB w="165100" h="254000"/>
+    </dgm:sp3d>
+    <dgm:txPr/>
+    <dgm:style>
+      <a:lnRef idx="0">
+        <a:scrgbClr r="0" g="0" b="0"/>
+      </a:lnRef>
+      <a:fillRef idx="1">
+        <a:scrgbClr r="0" g="0" b="0"/>
+      </a:fillRef>
+      <a:effectRef idx="0">
+        <a:scrgbClr r="0" g="0" b="0"/>
+      </a:effectRef>
+      <a:fontRef idx="minor"/>
+    </dgm:style>
+  </dgm:styleLbl>
+  <dgm:styleLbl name="revTx">
+    <dgm:scene3d>
+      <a:camera prst="orthographicFront"/>
+      <a:lightRig rig="threePt" dir="t"/>
+    </dgm:scene3d>
+    <dgm:sp3d/>
+    <dgm:txPr/>
+    <dgm:style>
+      <a:lnRef idx="1">
         <a:scrgbClr r="0" g="0" b="0"/>
       </a:lnRef>
       <a:fillRef idx="0">
@@ -4347,7 +7567,7 @@
           <a:p>
             <a:fld id="{F0F0BE6B-AE0D-4F84-BAC7-E32699F663D6}" type="datetimeFigureOut">
               <a:rPr lang="en-US" smtClean="0"/>
-              <a:t>6/2/2022</a:t>
+              <a:t>6/5/2022</a:t>
             </a:fld>
             <a:endParaRPr lang="en-US"/>
           </a:p>
@@ -4679,7 +7899,7 @@
           <a:p>
             <a:fld id="{96387019-5394-4082-941F-A89877F83EB0}" type="slidenum">
               <a:rPr lang="en-US" smtClean="0"/>
-              <a:t>4</a:t>
+              <a:t>5</a:t>
             </a:fld>
             <a:endParaRPr lang="en-US"/>
           </a:p>
@@ -11629,7 +14849,34 @@
               </a:rPr>
               <a:t>Introduction</a:t>
             </a:r>
-            <a:endParaRPr lang="en-US" dirty="0"/>
+            <a:r>
+              <a:rPr lang="en-US" sz="3200" b="1" spc="-1" dirty="0">
+                <a:latin typeface="Noto Sans SemiBold"/>
+              </a:rPr>
+              <a:t>.</a:t>
+            </a:r>
+            <a:endParaRPr lang="en-US" sz="3200" b="1" spc="-1">
+              <a:latin typeface="Noto Sans SemiBold"/>
+            </a:endParaRPr>
+          </a:p>
+          <a:p>
+            <a:pPr marL="431800" indent="-323850">
+              <a:spcAft>
+                <a:spcPts val="1414"/>
+              </a:spcAft>
+              <a:buClr>
+                <a:srgbClr val="2C3E50"/>
+              </a:buClr>
+              <a:buSzPct val="45000"/>
+              <a:buFont typeface="Wingdings" charset="2"/>
+              <a:buChar char=""/>
+            </a:pPr>
+            <a:r>
+              <a:rPr lang="en-US" sz="3200" b="1" spc="-1" dirty="0">
+                <a:latin typeface="Noto Sans SemiBold"/>
+              </a:rPr>
+              <a:t>Problem Statement.</a:t>
+            </a:r>
           </a:p>
           <a:p>
             <a:pPr marL="431800" indent="-323850">
@@ -11647,7 +14894,7 @@
               <a:rPr lang="en-US" sz="3200" b="1" spc="-1" dirty="0">
                 <a:latin typeface="Noto Sans Black"/>
               </a:rPr>
-              <a:t>Experiment Cases</a:t>
+              <a:t>Experiments.</a:t>
             </a:r>
           </a:p>
           <a:p>
@@ -11666,26 +14913,7 @@
               <a:rPr lang="en-US" sz="3200" b="1" spc="-1" dirty="0">
                 <a:latin typeface="Noto Sans Black"/>
               </a:rPr>
-              <a:t>Experiment Algorithms</a:t>
-            </a:r>
-          </a:p>
-          <a:p>
-            <a:pPr marL="431800" indent="-323850">
-              <a:spcAft>
-                <a:spcPts val="1414"/>
-              </a:spcAft>
-              <a:buClr>
-                <a:srgbClr val="2C3E50"/>
-              </a:buClr>
-              <a:buSzPct val="45000"/>
-              <a:buFont typeface="Wingdings" charset="2"/>
-              <a:buChar char=""/>
-            </a:pPr>
-            <a:r>
-              <a:rPr lang="en-US" sz="3200" b="1" spc="-1" dirty="0">
-                <a:latin typeface="Noto Sans Black"/>
-              </a:rPr>
-              <a:t>Results</a:t>
+              <a:t>Results.</a:t>
             </a:r>
           </a:p>
           <a:p>
@@ -12114,6 +15342,155 @@
       </p:grpSpPr>
       <p:sp>
         <p:nvSpPr>
+          <p:cNvPr id="135" name="TextShape 1"/>
+          <p:cNvSpPr txBox="1"/>
+          <p:nvPr/>
+        </p:nvSpPr>
+        <p:spPr>
+          <a:xfrm>
+            <a:off x="360000" y="301320"/>
+            <a:ext cx="9360000" cy="958680"/>
+          </a:xfrm>
+          <a:prstGeom prst="rect">
+            <a:avLst/>
+          </a:prstGeom>
+          <a:noFill/>
+          <a:ln>
+            <a:noFill/>
+          </a:ln>
+        </p:spPr>
+        <p:txBody>
+          <a:bodyPr lIns="0" tIns="0" rIns="0" bIns="0" anchor="ctr">
+            <a:noAutofit/>
+          </a:bodyPr>
+          <a:lstStyle/>
+          <a:p>
+            <a:r>
+              <a:rPr lang="en-US" sz="3600" b="1" strike="noStrike" spc="-1">
+                <a:solidFill>
+                  <a:srgbClr val="FFFFFF"/>
+                </a:solidFill>
+                <a:latin typeface="Noto Sans Black"/>
+              </a:rPr>
+              <a:t>Problem Statement</a:t>
+            </a:r>
+          </a:p>
+        </p:txBody>
+      </p:sp>
+      <p:graphicFrame>
+        <p:nvGraphicFramePr>
+          <p:cNvPr id="2" name="Diagram 1">
+            <a:extLst>
+              <a:ext uri="{FF2B5EF4-FFF2-40B4-BE49-F238E27FC236}">
+                <a16:creationId xmlns:a16="http://schemas.microsoft.com/office/drawing/2014/main" id="{FBED2EAF-3931-4275-809D-5F6E6E55B4F6}"/>
+              </a:ext>
+            </a:extLst>
+          </p:cNvPr>
+          <p:cNvGraphicFramePr/>
+          <p:nvPr>
+            <p:extLst>
+              <p:ext uri="{D42A27DB-BD31-4B8C-83A1-F6EECF244321}">
+                <p14:modId xmlns:p14="http://schemas.microsoft.com/office/powerpoint/2010/main" val="4151830200"/>
+              </p:ext>
+            </p:extLst>
+          </p:nvPr>
+        </p:nvGraphicFramePr>
+        <p:xfrm>
+          <a:off x="240435" y="1789527"/>
+          <a:ext cx="9360000" cy="5040000"/>
+        </p:xfrm>
+        <a:graphic>
+          <a:graphicData uri="http://schemas.openxmlformats.org/drawingml/2006/diagram">
+            <dgm:relIds xmlns:dgm="http://schemas.openxmlformats.org/drawingml/2006/diagram" xmlns:r="http://schemas.openxmlformats.org/officeDocument/2006/relationships" r:dm="rId2" r:lo="rId3" r:qs="rId4" r:cs="rId5"/>
+          </a:graphicData>
+        </a:graphic>
+      </p:graphicFrame>
+      <p:sp>
+        <p:nvSpPr>
+          <p:cNvPr id="4" name="Oval 3">
+            <a:extLst>
+              <a:ext uri="{FF2B5EF4-FFF2-40B4-BE49-F238E27FC236}">
+                <a16:creationId xmlns:a16="http://schemas.microsoft.com/office/drawing/2014/main" id="{1CDB5021-14BB-4E05-967F-CCD3EBA3E81B}"/>
+              </a:ext>
+            </a:extLst>
+          </p:cNvPr>
+          <p:cNvSpPr/>
+          <p:nvPr/>
+        </p:nvSpPr>
+        <p:spPr>
+          <a:xfrm>
+            <a:off x="9133608" y="6829527"/>
+            <a:ext cx="706582" cy="631144"/>
+          </a:xfrm>
+          <a:prstGeom prst="ellipse">
+            <a:avLst/>
+          </a:prstGeom>
+          <a:solidFill>
+            <a:schemeClr val="bg1"/>
+          </a:solidFill>
+          <a:ln>
+            <a:solidFill>
+              <a:schemeClr val="bg1"/>
+            </a:solidFill>
+          </a:ln>
+        </p:spPr>
+        <p:style>
+          <a:lnRef idx="2">
+            <a:schemeClr val="accent1">
+              <a:shade val="50000"/>
+            </a:schemeClr>
+          </a:lnRef>
+          <a:fillRef idx="1">
+            <a:schemeClr val="accent1"/>
+          </a:fillRef>
+          <a:effectRef idx="0">
+            <a:schemeClr val="accent1"/>
+          </a:effectRef>
+          <a:fontRef idx="minor">
+            <a:schemeClr val="lt1"/>
+          </a:fontRef>
+        </p:style>
+        <p:txBody>
+          <a:bodyPr rtlCol="0" anchor="ctr"/>
+          <a:lstStyle/>
+          <a:p>
+            <a:pPr algn="ctr"/>
+            <a:endParaRPr lang="en-US"/>
+          </a:p>
+        </p:txBody>
+      </p:sp>
+    </p:spTree>
+    <p:extLst>
+      <p:ext uri="{BB962C8B-B14F-4D97-AF65-F5344CB8AC3E}">
+        <p14:creationId xmlns:p14="http://schemas.microsoft.com/office/powerpoint/2010/main" val="3983463706"/>
+      </p:ext>
+    </p:extLst>
+  </p:cSld>
+  <p:clrMapOvr>
+    <a:masterClrMapping/>
+  </p:clrMapOvr>
+</p:sld>
+</file>
+
+<file path=ppt/slides/slide5.xml><?xml version="1.0" encoding="utf-8"?>
+<p:sld xmlns:a="http://schemas.openxmlformats.org/drawingml/2006/main" xmlns:r="http://schemas.openxmlformats.org/officeDocument/2006/relationships" xmlns:p="http://schemas.openxmlformats.org/presentationml/2006/main">
+  <p:cSld>
+    <p:spTree>
+      <p:nvGrpSpPr>
+        <p:cNvPr id="1" name=""/>
+        <p:cNvGrpSpPr/>
+        <p:nvPr/>
+      </p:nvGrpSpPr>
+      <p:grpSpPr>
+        <a:xfrm>
+          <a:off x="0" y="0"/>
+          <a:ext cx="0" cy="0"/>
+          <a:chOff x="0" y="0"/>
+          <a:chExt cx="0" cy="0"/>
+        </a:xfrm>
+      </p:grpSpPr>
+      <p:sp>
+        <p:nvSpPr>
           <p:cNvPr id="3" name="Oval 2">
             <a:extLst>
               <a:ext uri="{FF2B5EF4-FFF2-40B4-BE49-F238E27FC236}">
@@ -13044,7 +16421,7 @@
 </p:sld>
 </file>
 
-<file path=ppt/slides/slide5.xml><?xml version="1.0" encoding="utf-8"?>
+<file path=ppt/slides/slide6.xml><?xml version="1.0" encoding="utf-8"?>
 <p:sld xmlns:a="http://schemas.openxmlformats.org/drawingml/2006/main" xmlns:r="http://schemas.openxmlformats.org/officeDocument/2006/relationships" xmlns:p="http://schemas.openxmlformats.org/presentationml/2006/main">
   <p:cSld>
     <p:spTree>
@@ -13066,7 +16443,7 @@
           <p:cNvPr id="2" name="Title 1">
             <a:extLst>
               <a:ext uri="{FF2B5EF4-FFF2-40B4-BE49-F238E27FC236}">
-                <a16:creationId xmlns:a16="http://schemas.microsoft.com/office/drawing/2014/main" id="{6F692896-EF45-C4BA-CBE5-E2A5B1A52A55}"/>
+                <a16:creationId xmlns:a16="http://schemas.microsoft.com/office/drawing/2014/main" id="{B8C8ACF9-A26E-57F9-F1AA-8D7EB52319A3}"/>
               </a:ext>
             </a:extLst>
           </p:cNvPr>
@@ -13083,41 +16460,13 @@
           <a:lstStyle/>
           <a:p>
             <a:r>
-              <a:rPr lang="en-US" b="1" dirty="0">
+              <a:rPr lang="en-US" dirty="0">
                 <a:solidFill>
-                  <a:srgbClr val="FFFFFF"/>
+                  <a:schemeClr val="bg1"/>
                 </a:solidFill>
-                <a:ea typeface="+mj-lt"/>
-                <a:cs typeface="+mj-lt"/>
               </a:rPr>
-              <a:t>Experiment &amp; Results:</a:t>
+              <a:t>Sequential implementation:</a:t>
             </a:r>
-            <a:endParaRPr lang="en-US" dirty="0"/>
-          </a:p>
-        </p:txBody>
-      </p:sp>
-      <p:sp>
-        <p:nvSpPr>
-          <p:cNvPr id="3" name="Text Placeholder 2">
-            <a:extLst>
-              <a:ext uri="{FF2B5EF4-FFF2-40B4-BE49-F238E27FC236}">
-                <a16:creationId xmlns:a16="http://schemas.microsoft.com/office/drawing/2014/main" id="{C249C8F3-BE60-72D1-0155-29E5A13615C3}"/>
-              </a:ext>
-            </a:extLst>
-          </p:cNvPr>
-          <p:cNvSpPr>
-            <a:spLocks noGrp="1"/>
-          </p:cNvSpPr>
-          <p:nvPr>
-            <p:ph type="body"/>
-          </p:nvPr>
-        </p:nvSpPr>
-        <p:spPr/>
-        <p:txBody>
-          <a:bodyPr/>
-          <a:lstStyle/>
-          <a:p>
-            <a:endParaRPr lang="en-US"/>
           </a:p>
         </p:txBody>
       </p:sp>
@@ -13126,7 +16475,7 @@
           <p:cNvPr id="5" name="TextBox 4">
             <a:extLst>
               <a:ext uri="{FF2B5EF4-FFF2-40B4-BE49-F238E27FC236}">
-                <a16:creationId xmlns:a16="http://schemas.microsoft.com/office/drawing/2014/main" id="{96664CF3-F6C1-E0D6-7755-B2D6AC53B99B}"/>
+                <a16:creationId xmlns:a16="http://schemas.microsoft.com/office/drawing/2014/main" id="{855602A3-F3A2-8F6B-D006-7D60448DF9A1}"/>
               </a:ext>
             </a:extLst>
           </p:cNvPr>
@@ -13135,102 +16484,36 @@
         </p:nvSpPr>
         <p:spPr>
           <a:xfrm>
-            <a:off x="356810" y="1983664"/>
-            <a:ext cx="9352525" cy="1754326"/>
+            <a:off x="34528" y="1571690"/>
+            <a:ext cx="9855872" cy="400110"/>
           </a:xfrm>
           <a:prstGeom prst="rect">
             <a:avLst/>
           </a:prstGeom>
-          <a:ln/>
+          <a:noFill/>
         </p:spPr>
-        <p:style>
-          <a:lnRef idx="0">
-            <a:schemeClr val="accent5"/>
-          </a:lnRef>
-          <a:fillRef idx="3">
-            <a:schemeClr val="accent5"/>
-          </a:fillRef>
-          <a:effectRef idx="3">
-            <a:schemeClr val="accent5"/>
-          </a:effectRef>
-          <a:fontRef idx="minor">
-            <a:schemeClr val="lt1"/>
-          </a:fontRef>
-        </p:style>
         <p:txBody>
-          <a:bodyPr wrap="square" lIns="91440" tIns="45720" rIns="91440" bIns="45720" rtlCol="0" anchor="t">
+          <a:bodyPr rot="0" spcFirstLastPara="0" vertOverflow="overflow" horzOverflow="overflow" vert="horz" wrap="square" lIns="91440" tIns="45720" rIns="91440" bIns="45720" numCol="1" spcCol="0" rtlCol="0" fromWordArt="0" anchor="t" anchorCtr="0" forceAA="0" compatLnSpc="1">
+            <a:prstTxWarp prst="textNoShape">
+              <a:avLst/>
+            </a:prstTxWarp>
             <a:spAutoFit/>
           </a:bodyPr>
           <a:lstStyle/>
           <a:p>
             <a:r>
-              <a:rPr lang="en-US" dirty="0">
-                <a:solidFill>
-                  <a:schemeClr val="tx1"/>
-                </a:solidFill>
-              </a:rPr>
-              <a:t>1.Runing sequentially:</a:t>
+              <a:rPr lang="en-US" sz="2000" dirty="0"/>
+              <a:t>               Experiment applied:                                                   Results</a:t>
             </a:r>
-          </a:p>
-          <a:p>
-            <a:r>
-              <a:rPr lang="en-US" dirty="0">
-                <a:solidFill>
-                  <a:schemeClr val="tx1"/>
-                </a:solidFill>
-                <a:ea typeface="+mn-lt"/>
-                <a:cs typeface="+mn-lt"/>
-              </a:rPr>
-              <a:t>   Implementing a simple function to transfer money between users. </a:t>
-            </a:r>
-          </a:p>
-          <a:p>
-            <a:r>
-              <a:rPr lang="en-US" dirty="0">
-                <a:ea typeface="+mn-lt"/>
-                <a:cs typeface="+mn-lt"/>
-              </a:rPr>
-              <a:t>    Can’t run two process at the same time</a:t>
-            </a:r>
-            <a:endParaRPr lang="en-US" dirty="0"/>
-          </a:p>
-          <a:p>
-            <a:endParaRPr lang="en-US" dirty="0">
-              <a:solidFill>
-                <a:srgbClr val="000000"/>
-              </a:solidFill>
-              <a:ea typeface="+mn-lt"/>
-              <a:cs typeface="+mn-lt"/>
-            </a:endParaRPr>
-          </a:p>
-          <a:p>
-            <a:r>
-              <a:rPr lang="en-US" dirty="0">
-                <a:ea typeface="+mn-lt"/>
-                <a:cs typeface="+mn-lt"/>
-              </a:rPr>
-              <a:t>    Sequential Time: 0.8174035549163818</a:t>
-            </a:r>
-            <a:endParaRPr lang="en-US" dirty="0"/>
-          </a:p>
-          <a:p>
-            <a:r>
-              <a:rPr lang="en-US" dirty="0"/>
-              <a:t>     </a:t>
-            </a:r>
-            <a:endParaRPr lang="en-US" dirty="0">
-              <a:ea typeface="+mn-lt"/>
-              <a:cs typeface="+mn-lt"/>
-            </a:endParaRPr>
           </a:p>
         </p:txBody>
       </p:sp>
       <p:sp>
         <p:nvSpPr>
-          <p:cNvPr id="7" name="TextBox 6">
+          <p:cNvPr id="9" name="TextBox 8">
             <a:extLst>
               <a:ext uri="{FF2B5EF4-FFF2-40B4-BE49-F238E27FC236}">
-                <a16:creationId xmlns:a16="http://schemas.microsoft.com/office/drawing/2014/main" id="{2911E7C3-3F5D-94CA-CA68-925CF117040E}"/>
+                <a16:creationId xmlns:a16="http://schemas.microsoft.com/office/drawing/2014/main" id="{F7268E50-00D1-DA39-2F7E-8E6E9200B01F}"/>
               </a:ext>
             </a:extLst>
           </p:cNvPr>
@@ -13239,157 +16522,125 @@
         </p:nvSpPr>
         <p:spPr>
           <a:xfrm>
-            <a:off x="356810" y="4053831"/>
-            <a:ext cx="9352525" cy="1477328"/>
+            <a:off x="5202115" y="5345572"/>
+            <a:ext cx="4680179" cy="1323439"/>
           </a:xfrm>
           <a:prstGeom prst="rect">
             <a:avLst/>
           </a:prstGeom>
-          <a:ln/>
+          <a:noFill/>
         </p:spPr>
-        <p:style>
-          <a:lnRef idx="0">
-            <a:schemeClr val="accent5"/>
-          </a:lnRef>
-          <a:fillRef idx="3">
-            <a:schemeClr val="accent5"/>
-          </a:fillRef>
-          <a:effectRef idx="3">
-            <a:schemeClr val="accent5"/>
-          </a:effectRef>
-          <a:fontRef idx="minor">
-            <a:schemeClr val="lt1"/>
-          </a:fontRef>
-        </p:style>
         <p:txBody>
-          <a:bodyPr wrap="square" lIns="91440" tIns="45720" rIns="91440" bIns="45720" rtlCol="0" anchor="t">
+          <a:bodyPr rot="0" spcFirstLastPara="0" vertOverflow="overflow" horzOverflow="overflow" vert="horz" wrap="square" lIns="91440" tIns="45720" rIns="91440" bIns="45720" numCol="1" spcCol="0" rtlCol="0" fromWordArt="0" anchor="t" anchorCtr="0" forceAA="0" compatLnSpc="1">
+            <a:prstTxWarp prst="textNoShape">
+              <a:avLst/>
+            </a:prstTxWarp>
             <a:spAutoFit/>
           </a:bodyPr>
           <a:lstStyle/>
           <a:p>
+            <a:pPr algn="l"/>
             <a:r>
-              <a:rPr lang="en-US" dirty="0">
-                <a:solidFill>
-                  <a:schemeClr val="tx1"/>
-                </a:solidFill>
-              </a:rPr>
-              <a:t>2.Runing in parallel:</a:t>
+              <a:rPr lang="en-US" sz="2000" dirty="0"/>
+              <a:t>Conclusion:</a:t>
             </a:r>
           </a:p>
           <a:p>
             <a:r>
-              <a:rPr lang="en-US" dirty="0">
-                <a:solidFill>
-                  <a:schemeClr val="tx1"/>
-                </a:solidFill>
-              </a:rPr>
-              <a:t>   Using the threading concept to transfer money safely between users.</a:t>
-            </a:r>
-          </a:p>
-          <a:p>
-            <a:r>
-              <a:rPr lang="en-US" dirty="0">
-                <a:ea typeface="+mn-lt"/>
-                <a:cs typeface="+mn-lt"/>
-              </a:rPr>
-              <a:t>   Users will share data easily without causing data race or receiving incorrect data.</a:t>
-            </a:r>
-          </a:p>
-          <a:p>
-            <a:endParaRPr lang="en-US" dirty="0">
-              <a:solidFill>
-                <a:srgbClr val="000000"/>
-              </a:solidFill>
-            </a:endParaRPr>
-          </a:p>
-          <a:p>
-            <a:r>
-              <a:rPr lang="en-US" dirty="0"/>
-              <a:t>   </a:t>
+              <a:rPr lang="en-US" sz="2000" dirty="0"/>
+              <a:t>The </a:t>
             </a:r>
             <a:r>
-              <a:rPr lang="en-US" dirty="0">
-                <a:ea typeface="+mn-lt"/>
-                <a:cs typeface="+mn-lt"/>
+              <a:rPr lang="en-US" sz="2000" dirty="0">
+                <a:highlight>
+                  <a:srgbClr val="FF0000"/>
+                </a:highlight>
               </a:rPr>
-              <a:t>Parallel Time: 0.7803049087524414</a:t>
+              <a:t>expected results</a:t>
+            </a:r>
+            <a:r>
+              <a:rPr lang="en-US" sz="2000" dirty="0"/>
+              <a:t> matched the </a:t>
+            </a:r>
+            <a:r>
+              <a:rPr lang="en-US" sz="2000" dirty="0">
+                <a:highlight>
+                  <a:srgbClr val="FF0000"/>
+                </a:highlight>
+              </a:rPr>
+              <a:t>actual results </a:t>
+            </a:r>
+            <a:r>
+              <a:rPr lang="en-US" sz="2000" dirty="0"/>
+              <a:t>but the output took a long time.</a:t>
             </a:r>
           </a:p>
         </p:txBody>
       </p:sp>
-      <p:sp>
-        <p:nvSpPr>
-          <p:cNvPr id="9" name="TextBox 8">
+      <p:pic>
+        <p:nvPicPr>
+          <p:cNvPr id="6" name="Picture 6">
             <a:extLst>
               <a:ext uri="{FF2B5EF4-FFF2-40B4-BE49-F238E27FC236}">
-                <a16:creationId xmlns:a16="http://schemas.microsoft.com/office/drawing/2014/main" id="{409161AE-5F19-A9D1-CA01-F4D06CC6470B}"/>
+                <a16:creationId xmlns:a16="http://schemas.microsoft.com/office/drawing/2014/main" id="{D21F8358-98C2-C8DE-D4AD-07B1F9098681}"/>
               </a:ext>
             </a:extLst>
           </p:cNvPr>
-          <p:cNvSpPr txBox="1"/>
+          <p:cNvPicPr>
+            <a:picLocks noChangeAspect="1"/>
+          </p:cNvPicPr>
           <p:nvPr/>
-        </p:nvSpPr>
+        </p:nvPicPr>
+        <p:blipFill>
+          <a:blip r:embed="rId2"/>
+          <a:stretch>
+            <a:fillRect/>
+          </a:stretch>
+        </p:blipFill>
         <p:spPr>
           <a:xfrm>
-            <a:off x="367135" y="5812364"/>
-            <a:ext cx="9342112" cy="923330"/>
+            <a:off x="4908" y="1955326"/>
+            <a:ext cx="4982469" cy="3820984"/>
           </a:xfrm>
           <a:prstGeom prst="rect">
             <a:avLst/>
           </a:prstGeom>
-          <a:ln/>
         </p:spPr>
-        <p:style>
-          <a:lnRef idx="0">
-            <a:schemeClr val="accent5"/>
-          </a:lnRef>
-          <a:fillRef idx="3">
-            <a:schemeClr val="accent5"/>
-          </a:fillRef>
-          <a:effectRef idx="3">
-            <a:schemeClr val="accent5"/>
-          </a:effectRef>
-          <a:fontRef idx="minor">
-            <a:schemeClr val="lt1"/>
-          </a:fontRef>
-        </p:style>
-        <p:txBody>
-          <a:bodyPr wrap="square" lIns="91440" tIns="45720" rIns="91440" bIns="45720" rtlCol="0" anchor="t">
-            <a:spAutoFit/>
-          </a:bodyPr>
-          <a:lstStyle/>
-          <a:p>
-            <a:r>
-              <a:rPr lang="en-US" dirty="0">
-                <a:solidFill>
-                  <a:schemeClr val="tx1"/>
-                </a:solidFill>
-              </a:rPr>
-              <a:t>Evaluation:</a:t>
-            </a:r>
-          </a:p>
-          <a:p>
-            <a:r>
-              <a:rPr lang="en-US" dirty="0">
-                <a:solidFill>
-                  <a:schemeClr val="bg1"/>
-                </a:solidFill>
-              </a:rPr>
-              <a:t>The parallel performance was better than the sequential.</a:t>
-            </a:r>
-          </a:p>
-          <a:p>
-            <a:r>
-              <a:rPr lang="en-US" dirty="0"/>
-              <a:t>    </a:t>
-            </a:r>
-          </a:p>
-        </p:txBody>
-      </p:sp>
+      </p:pic>
+      <p:pic>
+        <p:nvPicPr>
+          <p:cNvPr id="7" name="Picture 9" descr="Text&#10;&#10;Description automatically generated">
+            <a:extLst>
+              <a:ext uri="{FF2B5EF4-FFF2-40B4-BE49-F238E27FC236}">
+                <a16:creationId xmlns:a16="http://schemas.microsoft.com/office/drawing/2014/main" id="{C2EB2943-A1CE-56CA-73FB-E1E27B5FCD92}"/>
+              </a:ext>
+            </a:extLst>
+          </p:cNvPr>
+          <p:cNvPicPr>
+            <a:picLocks noChangeAspect="1"/>
+          </p:cNvPicPr>
+          <p:nvPr/>
+        </p:nvPicPr>
+        <p:blipFill>
+          <a:blip r:embed="rId3"/>
+          <a:stretch>
+            <a:fillRect/>
+          </a:stretch>
+        </p:blipFill>
+        <p:spPr>
+          <a:xfrm>
+            <a:off x="4957737" y="1964512"/>
+            <a:ext cx="5107436" cy="3178163"/>
+          </a:xfrm>
+          <a:prstGeom prst="rect">
+            <a:avLst/>
+          </a:prstGeom>
+        </p:spPr>
+      </p:pic>
     </p:spTree>
     <p:extLst>
       <p:ext uri="{BB962C8B-B14F-4D97-AF65-F5344CB8AC3E}">
-        <p14:creationId xmlns:p14="http://schemas.microsoft.com/office/powerpoint/2010/main" val="995386483"/>
+        <p14:creationId xmlns:p14="http://schemas.microsoft.com/office/powerpoint/2010/main" val="2719913417"/>
       </p:ext>
     </p:extLst>
   </p:cSld>
@@ -13399,7 +16650,375 @@
 </p:sld>
 </file>
 
-<file path=ppt/slides/slide6.xml><?xml version="1.0" encoding="utf-8"?>
+<file path=ppt/slides/slide7.xml><?xml version="1.0" encoding="utf-8"?>
+<p:sld xmlns:a="http://schemas.openxmlformats.org/drawingml/2006/main" xmlns:r="http://schemas.openxmlformats.org/officeDocument/2006/relationships" xmlns:p="http://schemas.openxmlformats.org/presentationml/2006/main">
+  <p:cSld>
+    <p:spTree>
+      <p:nvGrpSpPr>
+        <p:cNvPr id="1" name=""/>
+        <p:cNvGrpSpPr/>
+        <p:nvPr/>
+      </p:nvGrpSpPr>
+      <p:grpSpPr>
+        <a:xfrm>
+          <a:off x="0" y="0"/>
+          <a:ext cx="0" cy="0"/>
+          <a:chOff x="0" y="0"/>
+          <a:chExt cx="0" cy="0"/>
+        </a:xfrm>
+      </p:grpSpPr>
+      <p:sp>
+        <p:nvSpPr>
+          <p:cNvPr id="2" name="Title 1">
+            <a:extLst>
+              <a:ext uri="{FF2B5EF4-FFF2-40B4-BE49-F238E27FC236}">
+                <a16:creationId xmlns:a16="http://schemas.microsoft.com/office/drawing/2014/main" id="{B8C8ACF9-A26E-57F9-F1AA-8D7EB52319A3}"/>
+              </a:ext>
+            </a:extLst>
+          </p:cNvPr>
+          <p:cNvSpPr>
+            <a:spLocks noGrp="1"/>
+          </p:cNvSpPr>
+          <p:nvPr>
+            <p:ph type="title"/>
+          </p:nvPr>
+        </p:nvSpPr>
+        <p:spPr/>
+        <p:txBody>
+          <a:bodyPr/>
+          <a:lstStyle/>
+          <a:p>
+            <a:r>
+              <a:rPr lang="en-US" dirty="0">
+                <a:solidFill>
+                  <a:schemeClr val="bg1"/>
+                </a:solidFill>
+              </a:rPr>
+              <a:t>Parallel implementation(using threading and locks:</a:t>
+            </a:r>
+          </a:p>
+        </p:txBody>
+      </p:sp>
+      <p:sp>
+        <p:nvSpPr>
+          <p:cNvPr id="5" name="TextBox 4">
+            <a:extLst>
+              <a:ext uri="{FF2B5EF4-FFF2-40B4-BE49-F238E27FC236}">
+                <a16:creationId xmlns:a16="http://schemas.microsoft.com/office/drawing/2014/main" id="{855602A3-F3A2-8F6B-D006-7D60448DF9A1}"/>
+              </a:ext>
+            </a:extLst>
+          </p:cNvPr>
+          <p:cNvSpPr txBox="1"/>
+          <p:nvPr/>
+        </p:nvSpPr>
+        <p:spPr>
+          <a:xfrm>
+            <a:off x="34528" y="1571690"/>
+            <a:ext cx="9855872" cy="400110"/>
+          </a:xfrm>
+          <a:prstGeom prst="rect">
+            <a:avLst/>
+          </a:prstGeom>
+          <a:noFill/>
+        </p:spPr>
+        <p:txBody>
+          <a:bodyPr rot="0" spcFirstLastPara="0" vertOverflow="overflow" horzOverflow="overflow" vert="horz" wrap="square" lIns="91440" tIns="45720" rIns="91440" bIns="45720" numCol="1" spcCol="0" rtlCol="0" fromWordArt="0" anchor="t" anchorCtr="0" forceAA="0" compatLnSpc="1">
+            <a:prstTxWarp prst="textNoShape">
+              <a:avLst/>
+            </a:prstTxWarp>
+            <a:spAutoFit/>
+          </a:bodyPr>
+          <a:lstStyle/>
+          <a:p>
+            <a:r>
+              <a:rPr lang="en-US" sz="2000" dirty="0"/>
+              <a:t>                          Experiment applied:                                                     Results</a:t>
+            </a:r>
+          </a:p>
+        </p:txBody>
+      </p:sp>
+      <p:sp>
+        <p:nvSpPr>
+          <p:cNvPr id="9" name="TextBox 8">
+            <a:extLst>
+              <a:ext uri="{FF2B5EF4-FFF2-40B4-BE49-F238E27FC236}">
+                <a16:creationId xmlns:a16="http://schemas.microsoft.com/office/drawing/2014/main" id="{F7268E50-00D1-DA39-2F7E-8E6E9200B01F}"/>
+              </a:ext>
+            </a:extLst>
+          </p:cNvPr>
+          <p:cNvSpPr txBox="1"/>
+          <p:nvPr/>
+        </p:nvSpPr>
+        <p:spPr>
+          <a:xfrm>
+            <a:off x="2892178" y="5366380"/>
+            <a:ext cx="4680179" cy="1323439"/>
+          </a:xfrm>
+          <a:prstGeom prst="rect">
+            <a:avLst/>
+          </a:prstGeom>
+          <a:noFill/>
+        </p:spPr>
+        <p:txBody>
+          <a:bodyPr rot="0" spcFirstLastPara="0" vertOverflow="overflow" horzOverflow="overflow" vert="horz" wrap="square" lIns="91440" tIns="45720" rIns="91440" bIns="45720" numCol="1" spcCol="0" rtlCol="0" fromWordArt="0" anchor="t" anchorCtr="0" forceAA="0" compatLnSpc="1">
+            <a:prstTxWarp prst="textNoShape">
+              <a:avLst/>
+            </a:prstTxWarp>
+            <a:spAutoFit/>
+          </a:bodyPr>
+          <a:lstStyle/>
+          <a:p>
+            <a:pPr algn="l"/>
+            <a:r>
+              <a:rPr lang="en-US" sz="2000" dirty="0"/>
+              <a:t>Conclusion:</a:t>
+            </a:r>
+          </a:p>
+          <a:p>
+            <a:r>
+              <a:rPr lang="en-US" sz="2000" dirty="0"/>
+              <a:t>The </a:t>
+            </a:r>
+            <a:r>
+              <a:rPr lang="en-US" sz="2000" dirty="0">
+                <a:highlight>
+                  <a:srgbClr val="FF0000"/>
+                </a:highlight>
+              </a:rPr>
+              <a:t>expected results</a:t>
+            </a:r>
+            <a:r>
+              <a:rPr lang="en-US" sz="2000" dirty="0"/>
+              <a:t> matched the </a:t>
+            </a:r>
+            <a:r>
+              <a:rPr lang="en-US" sz="2000" dirty="0">
+                <a:highlight>
+                  <a:srgbClr val="FF0000"/>
+                </a:highlight>
+              </a:rPr>
+              <a:t>actual results</a:t>
+            </a:r>
+            <a:r>
+              <a:rPr lang="en-US" sz="2000" dirty="0"/>
+              <a:t> and the output took a shorter time.</a:t>
+            </a:r>
+          </a:p>
+        </p:txBody>
+      </p:sp>
+      <p:pic>
+        <p:nvPicPr>
+          <p:cNvPr id="3" name="Picture 3" descr="Text&#10;&#10;Description automatically generated">
+            <a:extLst>
+              <a:ext uri="{FF2B5EF4-FFF2-40B4-BE49-F238E27FC236}">
+                <a16:creationId xmlns:a16="http://schemas.microsoft.com/office/drawing/2014/main" id="{38D00782-A591-6898-AF87-FE36327D8703}"/>
+              </a:ext>
+            </a:extLst>
+          </p:cNvPr>
+          <p:cNvPicPr>
+            <a:picLocks noChangeAspect="1"/>
+          </p:cNvPicPr>
+          <p:nvPr/>
+        </p:nvPicPr>
+        <p:blipFill>
+          <a:blip r:embed="rId2"/>
+          <a:stretch>
+            <a:fillRect/>
+          </a:stretch>
+        </p:blipFill>
+        <p:spPr>
+          <a:xfrm>
+            <a:off x="4907" y="1982801"/>
+            <a:ext cx="6752827" cy="3121105"/>
+          </a:xfrm>
+          <a:prstGeom prst="rect">
+            <a:avLst/>
+          </a:prstGeom>
+        </p:spPr>
+      </p:pic>
+      <p:pic>
+        <p:nvPicPr>
+          <p:cNvPr id="4" name="Picture 7" descr="Text&#10;&#10;Description automatically generated">
+            <a:extLst>
+              <a:ext uri="{FF2B5EF4-FFF2-40B4-BE49-F238E27FC236}">
+                <a16:creationId xmlns:a16="http://schemas.microsoft.com/office/drawing/2014/main" id="{7015F04F-EA8A-62FA-15D8-A5E37ABFA4BB}"/>
+              </a:ext>
+            </a:extLst>
+          </p:cNvPr>
+          <p:cNvPicPr>
+            <a:picLocks noChangeAspect="1"/>
+          </p:cNvPicPr>
+          <p:nvPr/>
+        </p:nvPicPr>
+        <p:blipFill>
+          <a:blip r:embed="rId3"/>
+          <a:stretch>
+            <a:fillRect/>
+          </a:stretch>
+        </p:blipFill>
+        <p:spPr>
+          <a:xfrm>
+            <a:off x="6757831" y="1976376"/>
+            <a:ext cx="3357906" cy="2851920"/>
+          </a:xfrm>
+          <a:prstGeom prst="rect">
+            <a:avLst/>
+          </a:prstGeom>
+        </p:spPr>
+      </p:pic>
+    </p:spTree>
+    <p:extLst>
+      <p:ext uri="{BB962C8B-B14F-4D97-AF65-F5344CB8AC3E}">
+        <p14:creationId xmlns:p14="http://schemas.microsoft.com/office/powerpoint/2010/main" val="2822931254"/>
+      </p:ext>
+    </p:extLst>
+  </p:cSld>
+  <p:clrMapOvr>
+    <a:masterClrMapping/>
+  </p:clrMapOvr>
+</p:sld>
+</file>
+
+<file path=ppt/slides/slide8.xml><?xml version="1.0" encoding="utf-8"?>
+<p:sld xmlns:a="http://schemas.openxmlformats.org/drawingml/2006/main" xmlns:r="http://schemas.openxmlformats.org/officeDocument/2006/relationships" xmlns:p="http://schemas.openxmlformats.org/presentationml/2006/main">
+  <p:cSld>
+    <p:spTree>
+      <p:nvGrpSpPr>
+        <p:cNvPr id="1" name=""/>
+        <p:cNvGrpSpPr/>
+        <p:nvPr/>
+      </p:nvGrpSpPr>
+      <p:grpSpPr>
+        <a:xfrm>
+          <a:off x="0" y="0"/>
+          <a:ext cx="0" cy="0"/>
+          <a:chOff x="0" y="0"/>
+          <a:chExt cx="0" cy="0"/>
+        </a:xfrm>
+      </p:grpSpPr>
+      <p:sp>
+        <p:nvSpPr>
+          <p:cNvPr id="2" name="Title 1">
+            <a:extLst>
+              <a:ext uri="{FF2B5EF4-FFF2-40B4-BE49-F238E27FC236}">
+                <a16:creationId xmlns:a16="http://schemas.microsoft.com/office/drawing/2014/main" id="{74FE3231-38F4-0E2A-311E-6E217ADB7A86}"/>
+              </a:ext>
+            </a:extLst>
+          </p:cNvPr>
+          <p:cNvSpPr>
+            <a:spLocks noGrp="1"/>
+          </p:cNvSpPr>
+          <p:nvPr>
+            <p:ph type="title"/>
+          </p:nvPr>
+        </p:nvSpPr>
+        <p:spPr/>
+        <p:txBody>
+          <a:bodyPr/>
+          <a:lstStyle/>
+          <a:p>
+            <a:r>
+              <a:rPr lang="en-US" dirty="0">
+                <a:solidFill>
+                  <a:schemeClr val="bg1"/>
+                </a:solidFill>
+              </a:rPr>
+              <a:t>Evaluating parallel Vs. Sequential performance:</a:t>
+            </a:r>
+          </a:p>
+        </p:txBody>
+      </p:sp>
+      <p:pic>
+        <p:nvPicPr>
+          <p:cNvPr id="4" name="Picture 4" descr="Text&#10;&#10;Description automatically generated">
+            <a:extLst>
+              <a:ext uri="{FF2B5EF4-FFF2-40B4-BE49-F238E27FC236}">
+                <a16:creationId xmlns:a16="http://schemas.microsoft.com/office/drawing/2014/main" id="{C071100E-763D-8583-53A1-92462113DD6C}"/>
+              </a:ext>
+            </a:extLst>
+          </p:cNvPr>
+          <p:cNvPicPr>
+            <a:picLocks noChangeAspect="1"/>
+          </p:cNvPicPr>
+          <p:nvPr/>
+        </p:nvPicPr>
+        <p:blipFill>
+          <a:blip r:embed="rId2"/>
+          <a:stretch>
+            <a:fillRect/>
+          </a:stretch>
+        </p:blipFill>
+        <p:spPr>
+          <a:xfrm>
+            <a:off x="140174" y="1698839"/>
+            <a:ext cx="6013442" cy="5396184"/>
+          </a:xfrm>
+          <a:prstGeom prst="rect">
+            <a:avLst/>
+          </a:prstGeom>
+        </p:spPr>
+      </p:pic>
+      <p:sp>
+        <p:nvSpPr>
+          <p:cNvPr id="5" name="TextBox 4">
+            <a:extLst>
+              <a:ext uri="{FF2B5EF4-FFF2-40B4-BE49-F238E27FC236}">
+                <a16:creationId xmlns:a16="http://schemas.microsoft.com/office/drawing/2014/main" id="{6439FC8B-F514-6640-8AEC-F3618BDED2B7}"/>
+              </a:ext>
+            </a:extLst>
+          </p:cNvPr>
+          <p:cNvSpPr txBox="1"/>
+          <p:nvPr/>
+        </p:nvSpPr>
+        <p:spPr>
+          <a:xfrm>
+            <a:off x="6374044" y="3187095"/>
+            <a:ext cx="3149340" cy="2862322"/>
+          </a:xfrm>
+          <a:prstGeom prst="rect">
+            <a:avLst/>
+          </a:prstGeom>
+          <a:noFill/>
+        </p:spPr>
+        <p:txBody>
+          <a:bodyPr rot="0" spcFirstLastPara="0" vertOverflow="overflow" horzOverflow="overflow" vert="horz" wrap="square" lIns="91440" tIns="45720" rIns="91440" bIns="45720" numCol="1" spcCol="0" rtlCol="0" fromWordArt="0" anchor="t" anchorCtr="0" forceAA="0" compatLnSpc="1">
+            <a:prstTxWarp prst="textNoShape">
+              <a:avLst/>
+            </a:prstTxWarp>
+            <a:spAutoFit/>
+          </a:bodyPr>
+          <a:lstStyle/>
+          <a:p>
+            <a:pPr marL="342900" indent="-342900">
+              <a:buFont typeface="Arial"/>
+              <a:buChar char="•"/>
+            </a:pPr>
+            <a:r>
+              <a:rPr lang="en-US" sz="2000" dirty="0">
+                <a:solidFill>
+                  <a:srgbClr val="000000"/>
+                </a:solidFill>
+              </a:rPr>
+              <a:t>Knowing that the time could differ with each run, we can say that the parallel performance was much better than the sequential one with average speed up = 0.16%</a:t>
+            </a:r>
+            <a:endParaRPr lang="en-US" dirty="0"/>
+          </a:p>
+        </p:txBody>
+      </p:sp>
+    </p:spTree>
+    <p:extLst>
+      <p:ext uri="{BB962C8B-B14F-4D97-AF65-F5344CB8AC3E}">
+        <p14:creationId xmlns:p14="http://schemas.microsoft.com/office/powerpoint/2010/main" val="3939730506"/>
+      </p:ext>
+    </p:extLst>
+  </p:cSld>
+  <p:clrMapOvr>
+    <a:masterClrMapping/>
+  </p:clrMapOvr>
+</p:sld>
+</file>
+
+<file path=ppt/slides/slide9.xml><?xml version="1.0" encoding="utf-8"?>
 <p:sld xmlns:a="http://schemas.openxmlformats.org/drawingml/2006/main" xmlns:r="http://schemas.openxmlformats.org/officeDocument/2006/relationships" xmlns:p="http://schemas.openxmlformats.org/presentationml/2006/main">
   <p:cSld>
     <p:spTree>
